--- a/10/slides.pptx
+++ b/10/slides.pptx
@@ -5,10 +5,10 @@
     <p:sldMasterId id="2147483648" r:id="rId1"/>
   </p:sldMasterIdLst>
   <p:notesMasterIdLst>
-    <p:notesMasterId r:id="rId16"/>
+    <p:notesMasterId r:id="rId29"/>
   </p:notesMasterIdLst>
   <p:handoutMasterIdLst>
-    <p:handoutMasterId r:id="rId17"/>
+    <p:handoutMasterId r:id="rId30"/>
   </p:handoutMasterIdLst>
   <p:sldIdLst>
     <p:sldId id="256" r:id="rId3"/>
@@ -22,8 +22,21 @@
     <p:sldId id="267" r:id="rId11"/>
     <p:sldId id="268" r:id="rId12"/>
     <p:sldId id="279" r:id="rId13"/>
-    <p:sldId id="270" r:id="rId14"/>
+    <p:sldId id="291" r:id="rId14"/>
     <p:sldId id="280" r:id="rId15"/>
+    <p:sldId id="281" r:id="rId16"/>
+    <p:sldId id="284" r:id="rId17"/>
+    <p:sldId id="285" r:id="rId18"/>
+    <p:sldId id="286" r:id="rId19"/>
+    <p:sldId id="287" r:id="rId20"/>
+    <p:sldId id="289" r:id="rId21"/>
+    <p:sldId id="290" r:id="rId22"/>
+    <p:sldId id="292" r:id="rId23"/>
+    <p:sldId id="294" r:id="rId24"/>
+    <p:sldId id="295" r:id="rId25"/>
+    <p:sldId id="296" r:id="rId26"/>
+    <p:sldId id="297" r:id="rId27"/>
+    <p:sldId id="298" r:id="rId28"/>
   </p:sldIdLst>
   <p:sldSz cx="12192000" cy="6858000"/>
   <p:notesSz cx="7103745" cy="10234295"/>
@@ -3817,35 +3830,6 @@
           </a:p>
         </p:txBody>
       </p:sp>
-      <p:sp>
-        <p:nvSpPr>
-          <p:cNvPr id="3" name="Text Box 2"/>
-          <p:cNvSpPr txBox="1"/>
-          <p:nvPr/>
-        </p:nvSpPr>
-        <p:spPr>
-          <a:xfrm>
-            <a:off x="0" y="0"/>
-            <a:ext cx="7463790" cy="368300"/>
-          </a:xfrm>
-          <a:prstGeom prst="rect">
-            <a:avLst/>
-          </a:prstGeom>
-          <a:noFill/>
-        </p:spPr>
-        <p:txBody>
-          <a:bodyPr wrap="square" rtlCol="0" anchor="t">
-            <a:spAutoFit/>
-          </a:bodyPr>
-          <a:p>
-            <a:r>
-              <a:rPr lang="en-US"/>
-              <a:t>http://www.netlib.org/linalg/html_templates/node91.html</a:t>
-            </a:r>
-            <a:endParaRPr lang="en-US"/>
-          </a:p>
-        </p:txBody>
-      </p:sp>
       <p:pic>
         <p:nvPicPr>
           <p:cNvPr id="5" name="Content Placeholder 4"/>
@@ -3922,6 +3906,35 @@
           </a:prstGeom>
         </p:spPr>
       </p:pic>
+      <p:sp>
+        <p:nvSpPr>
+          <p:cNvPr id="4" name="Text Box 3"/>
+          <p:cNvSpPr txBox="1"/>
+          <p:nvPr/>
+        </p:nvSpPr>
+        <p:spPr>
+          <a:xfrm>
+            <a:off x="0" y="0"/>
+            <a:ext cx="7463790" cy="368300"/>
+          </a:xfrm>
+          <a:prstGeom prst="rect">
+            <a:avLst/>
+          </a:prstGeom>
+          <a:noFill/>
+        </p:spPr>
+        <p:txBody>
+          <a:bodyPr wrap="square" rtlCol="0" anchor="t">
+            <a:spAutoFit/>
+          </a:bodyPr>
+          <a:p>
+            <a:r>
+              <a:rPr lang="en-US"/>
+              <a:t>http://www.netlib.org/linalg/html_templates/node91.html</a:t>
+            </a:r>
+            <a:endParaRPr lang="en-US"/>
+          </a:p>
+        </p:txBody>
+      </p:sp>
     </p:spTree>
   </p:cSld>
   <p:clrMapOvr>
@@ -3970,35 +3983,6 @@
           </a:p>
         </p:txBody>
       </p:sp>
-      <p:sp>
-        <p:nvSpPr>
-          <p:cNvPr id="3" name="Text Box 2"/>
-          <p:cNvSpPr txBox="1"/>
-          <p:nvPr/>
-        </p:nvSpPr>
-        <p:spPr>
-          <a:xfrm>
-            <a:off x="0" y="0"/>
-            <a:ext cx="7463790" cy="368300"/>
-          </a:xfrm>
-          <a:prstGeom prst="rect">
-            <a:avLst/>
-          </a:prstGeom>
-          <a:noFill/>
-        </p:spPr>
-        <p:txBody>
-          <a:bodyPr wrap="square" rtlCol="0" anchor="t">
-            <a:spAutoFit/>
-          </a:bodyPr>
-          <a:p>
-            <a:r>
-              <a:rPr lang="en-US"/>
-              <a:t>http://www.netlib.org/linalg/html_templates/node91.html</a:t>
-            </a:r>
-            <a:endParaRPr lang="en-US"/>
-          </a:p>
-        </p:txBody>
-      </p:sp>
       <p:pic>
         <p:nvPicPr>
           <p:cNvPr id="5" name="Content Placeholder 4"/>
@@ -4075,9 +4059,38 @@
           </a:prstGeom>
         </p:spPr>
       </p:pic>
+      <p:sp>
+        <p:nvSpPr>
+          <p:cNvPr id="4" name="Text Box 3"/>
+          <p:cNvSpPr txBox="1"/>
+          <p:nvPr/>
+        </p:nvSpPr>
+        <p:spPr>
+          <a:xfrm>
+            <a:off x="0" y="0"/>
+            <a:ext cx="7463790" cy="368300"/>
+          </a:xfrm>
+          <a:prstGeom prst="rect">
+            <a:avLst/>
+          </a:prstGeom>
+          <a:noFill/>
+        </p:spPr>
+        <p:txBody>
+          <a:bodyPr wrap="square" rtlCol="0" anchor="t">
+            <a:spAutoFit/>
+          </a:bodyPr>
+          <a:p>
+            <a:r>
+              <a:rPr lang="en-US"/>
+              <a:t>http://www.netlib.org/linalg/html_templates/node91.html</a:t>
+            </a:r>
+            <a:endParaRPr lang="en-US"/>
+          </a:p>
+        </p:txBody>
+      </p:sp>
       <p:pic>
         <p:nvPicPr>
-          <p:cNvPr id="12" name="Picture 11"/>
+          <p:cNvPr id="12" name="Content Placeholder 11"/>
           <p:cNvPicPr>
             <a:picLocks noChangeAspect="1"/>
           </p:cNvPicPr>
@@ -4091,8 +4104,8 @@
         </p:blipFill>
         <p:spPr>
           <a:xfrm>
-            <a:off x="5733415" y="2569845"/>
-            <a:ext cx="6324600" cy="3171825"/>
+            <a:off x="5981700" y="2701925"/>
+            <a:ext cx="5181600" cy="2598420"/>
           </a:xfrm>
           <a:prstGeom prst="rect">
             <a:avLst/>
@@ -4155,6 +4168,1070 @@
 </p:sld>
 </file>
 
+<file path=ppt/slides/slide14.xml><?xml version="1.0" encoding="utf-8"?>
+<p:sld xmlns:a="http://schemas.openxmlformats.org/drawingml/2006/main" xmlns:r="http://schemas.openxmlformats.org/officeDocument/2006/relationships" xmlns:p="http://schemas.openxmlformats.org/presentationml/2006/main">
+  <p:cSld>
+    <p:spTree>
+      <p:nvGrpSpPr>
+        <p:cNvPr id="1" name=""/>
+        <p:cNvGrpSpPr/>
+        <p:nvPr/>
+      </p:nvGrpSpPr>
+      <p:grpSpPr/>
+      <p:sp>
+        <p:nvSpPr>
+          <p:cNvPr id="3" name="Title 2"/>
+          <p:cNvSpPr>
+            <a:spLocks noGrp="1"/>
+          </p:cNvSpPr>
+          <p:nvPr>
+            <p:ph type="title"/>
+          </p:nvPr>
+        </p:nvSpPr>
+        <p:spPr/>
+        <p:txBody>
+          <a:bodyPr/>
+          <a:p>
+            <a:r>
+              <a:rPr lang="zh-CN" altLang="en-US"/>
+              <a:t>稠密网格计算粒子经过的格点数量</a:t>
+            </a:r>
+            <a:endParaRPr lang="zh-CN" altLang="en-US"/>
+          </a:p>
+        </p:txBody>
+      </p:sp>
+      <p:pic>
+        <p:nvPicPr>
+          <p:cNvPr id="7" name="Content Placeholder 6"/>
+          <p:cNvPicPr>
+            <a:picLocks noChangeAspect="1"/>
+          </p:cNvPicPr>
+          <p:nvPr>
+            <p:ph sz="half" idx="2"/>
+          </p:nvPr>
+        </p:nvPicPr>
+        <p:blipFill>
+          <a:blip r:embed="rId1"/>
+          <a:stretch>
+            <a:fillRect/>
+          </a:stretch>
+        </p:blipFill>
+        <p:spPr>
+          <a:xfrm>
+            <a:off x="7787640" y="-13970"/>
+            <a:ext cx="4404360" cy="6871970"/>
+          </a:xfrm>
+          <a:prstGeom prst="rect">
+            <a:avLst/>
+          </a:prstGeom>
+        </p:spPr>
+      </p:pic>
+      <p:pic>
+        <p:nvPicPr>
+          <p:cNvPr id="8" name="Picture 7"/>
+          <p:cNvPicPr>
+            <a:picLocks noChangeAspect="1"/>
+          </p:cNvPicPr>
+          <p:nvPr/>
+        </p:nvPicPr>
+        <p:blipFill>
+          <a:blip r:embed="rId2"/>
+          <a:stretch>
+            <a:fillRect/>
+          </a:stretch>
+        </p:blipFill>
+        <p:spPr>
+          <a:xfrm>
+            <a:off x="532765" y="1537335"/>
+            <a:ext cx="6638925" cy="495300"/>
+          </a:xfrm>
+          <a:prstGeom prst="rect">
+            <a:avLst/>
+          </a:prstGeom>
+        </p:spPr>
+      </p:pic>
+      <p:pic>
+        <p:nvPicPr>
+          <p:cNvPr id="10" name="Content Placeholder 9"/>
+          <p:cNvPicPr>
+            <a:picLocks noChangeAspect="1"/>
+          </p:cNvPicPr>
+          <p:nvPr>
+            <p:ph sz="half" idx="1"/>
+          </p:nvPr>
+        </p:nvPicPr>
+        <p:blipFill>
+          <a:blip r:embed="rId3"/>
+          <a:stretch>
+            <a:fillRect/>
+          </a:stretch>
+        </p:blipFill>
+        <p:spPr>
+          <a:xfrm>
+            <a:off x="923290" y="2620010"/>
+            <a:ext cx="4629150" cy="2762250"/>
+          </a:xfrm>
+          <a:prstGeom prst="rect">
+            <a:avLst/>
+          </a:prstGeom>
+        </p:spPr>
+      </p:pic>
+    </p:spTree>
+  </p:cSld>
+  <p:clrMapOvr>
+    <a:masterClrMapping/>
+  </p:clrMapOvr>
+</p:sld>
+</file>
+
+<file path=ppt/slides/slide15.xml><?xml version="1.0" encoding="utf-8"?>
+<p:sld xmlns:a="http://schemas.openxmlformats.org/drawingml/2006/main" xmlns:r="http://schemas.openxmlformats.org/officeDocument/2006/relationships" xmlns:p="http://schemas.openxmlformats.org/presentationml/2006/main">
+  <p:cSld>
+    <p:spTree>
+      <p:nvGrpSpPr>
+        <p:cNvPr id="1" name=""/>
+        <p:cNvGrpSpPr/>
+        <p:nvPr/>
+      </p:nvGrpSpPr>
+      <p:grpSpPr/>
+      <p:sp>
+        <p:nvSpPr>
+          <p:cNvPr id="3" name="Title 2"/>
+          <p:cNvSpPr>
+            <a:spLocks noGrp="1"/>
+          </p:cNvSpPr>
+          <p:nvPr>
+            <p:ph type="title"/>
+          </p:nvPr>
+        </p:nvSpPr>
+        <p:spPr/>
+        <p:txBody>
+          <a:bodyPr/>
+          <a:p>
+            <a:r>
+              <a:rPr lang="zh-CN" altLang="en-US"/>
+              <a:t>改用更小的</a:t>
+            </a:r>
+            <a:r>
+              <a:rPr lang="en-US" altLang="zh-CN"/>
+              <a:t> char </a:t>
+            </a:r>
+            <a:r>
+              <a:rPr lang="zh-CN" altLang="en-US"/>
+              <a:t>存储</a:t>
+            </a:r>
+            <a:endParaRPr lang="zh-CN" altLang="en-US"/>
+          </a:p>
+        </p:txBody>
+      </p:sp>
+      <p:pic>
+        <p:nvPicPr>
+          <p:cNvPr id="7" name="Content Placeholder 6"/>
+          <p:cNvPicPr>
+            <a:picLocks noChangeAspect="1"/>
+          </p:cNvPicPr>
+          <p:nvPr>
+            <p:ph sz="half" idx="2"/>
+          </p:nvPr>
+        </p:nvPicPr>
+        <p:blipFill>
+          <a:blip r:embed="rId1"/>
+          <a:stretch>
+            <a:fillRect/>
+          </a:stretch>
+        </p:blipFill>
+        <p:spPr>
+          <a:xfrm>
+            <a:off x="7787640" y="-13970"/>
+            <a:ext cx="4404360" cy="6871970"/>
+          </a:xfrm>
+          <a:prstGeom prst="rect">
+            <a:avLst/>
+          </a:prstGeom>
+        </p:spPr>
+      </p:pic>
+      <p:pic>
+        <p:nvPicPr>
+          <p:cNvPr id="8" name="Picture 7"/>
+          <p:cNvPicPr>
+            <a:picLocks noChangeAspect="1"/>
+          </p:cNvPicPr>
+          <p:nvPr/>
+        </p:nvPicPr>
+        <p:blipFill>
+          <a:blip r:embed="rId2"/>
+          <a:stretch>
+            <a:fillRect/>
+          </a:stretch>
+        </p:blipFill>
+        <p:spPr>
+          <a:xfrm>
+            <a:off x="532765" y="1537335"/>
+            <a:ext cx="6638925" cy="495300"/>
+          </a:xfrm>
+          <a:prstGeom prst="rect">
+            <a:avLst/>
+          </a:prstGeom>
+        </p:spPr>
+      </p:pic>
+      <p:pic>
+        <p:nvPicPr>
+          <p:cNvPr id="9" name="Content Placeholder 8"/>
+          <p:cNvPicPr>
+            <a:picLocks noChangeAspect="1"/>
+          </p:cNvPicPr>
+          <p:nvPr>
+            <p:ph sz="half" idx="1"/>
+          </p:nvPr>
+        </p:nvPicPr>
+        <p:blipFill>
+          <a:blip r:embed="rId3"/>
+          <a:stretch>
+            <a:fillRect/>
+          </a:stretch>
+        </p:blipFill>
+        <p:spPr>
+          <a:xfrm>
+            <a:off x="989965" y="2643505"/>
+            <a:ext cx="4495800" cy="2714625"/>
+          </a:xfrm>
+          <a:prstGeom prst="rect">
+            <a:avLst/>
+          </a:prstGeom>
+        </p:spPr>
+      </p:pic>
+    </p:spTree>
+  </p:cSld>
+  <p:clrMapOvr>
+    <a:masterClrMapping/>
+  </p:clrMapOvr>
+</p:sld>
+</file>
+
+<file path=ppt/slides/slide16.xml><?xml version="1.0" encoding="utf-8"?>
+<p:sld xmlns:a="http://schemas.openxmlformats.org/drawingml/2006/main" xmlns:r="http://schemas.openxmlformats.org/officeDocument/2006/relationships" xmlns:p="http://schemas.openxmlformats.org/presentationml/2006/main">
+  <p:cSld>
+    <p:spTree>
+      <p:nvGrpSpPr>
+        <p:cNvPr id="1" name=""/>
+        <p:cNvGrpSpPr/>
+        <p:nvPr/>
+      </p:nvGrpSpPr>
+      <p:grpSpPr/>
+      <p:sp>
+        <p:nvSpPr>
+          <p:cNvPr id="3" name="Title 2"/>
+          <p:cNvSpPr>
+            <a:spLocks noGrp="1"/>
+          </p:cNvSpPr>
+          <p:nvPr>
+            <p:ph type="title"/>
+          </p:nvPr>
+        </p:nvSpPr>
+        <p:spPr/>
+        <p:txBody>
+          <a:bodyPr/>
+          <a:p>
+            <a:r>
+              <a:rPr lang="zh-CN"/>
+              <a:t>只用一个</a:t>
+            </a:r>
+            <a:r>
+              <a:rPr lang="en-US" altLang="zh-CN"/>
+              <a:t> bit </a:t>
+            </a:r>
+            <a:r>
+              <a:rPr lang="zh-CN" altLang="en-US"/>
+              <a:t>存储，一个</a:t>
+            </a:r>
+            <a:r>
+              <a:rPr lang="en-US" altLang="zh-CN"/>
+              <a:t> char </a:t>
+            </a:r>
+            <a:r>
+              <a:rPr lang="zh-CN" altLang="en-US"/>
+              <a:t>可以存储</a:t>
+            </a:r>
+            <a:r>
+              <a:rPr lang="en-US" altLang="zh-CN"/>
+              <a:t> 8 </a:t>
+            </a:r>
+            <a:r>
+              <a:rPr lang="zh-CN" altLang="en-US"/>
+              <a:t>个</a:t>
+            </a:r>
+            <a:r>
+              <a:rPr lang="en-US" altLang="zh-CN"/>
+              <a:t> bit</a:t>
+            </a:r>
+            <a:endParaRPr lang="en-US" altLang="zh-CN"/>
+          </a:p>
+        </p:txBody>
+      </p:sp>
+      <p:pic>
+        <p:nvPicPr>
+          <p:cNvPr id="7" name="Content Placeholder 6"/>
+          <p:cNvPicPr>
+            <a:picLocks noChangeAspect="1"/>
+          </p:cNvPicPr>
+          <p:nvPr>
+            <p:ph sz="half" idx="2"/>
+          </p:nvPr>
+        </p:nvPicPr>
+        <p:blipFill>
+          <a:blip r:embed="rId1"/>
+          <a:stretch>
+            <a:fillRect/>
+          </a:stretch>
+        </p:blipFill>
+        <p:spPr>
+          <a:xfrm>
+            <a:off x="7787640" y="-13970"/>
+            <a:ext cx="4404360" cy="6871970"/>
+          </a:xfrm>
+          <a:prstGeom prst="rect">
+            <a:avLst/>
+          </a:prstGeom>
+        </p:spPr>
+      </p:pic>
+      <p:pic>
+        <p:nvPicPr>
+          <p:cNvPr id="6" name="Content Placeholder 5"/>
+          <p:cNvPicPr>
+            <a:picLocks noChangeAspect="1"/>
+          </p:cNvPicPr>
+          <p:nvPr>
+            <p:ph sz="half" idx="1"/>
+          </p:nvPr>
+        </p:nvPicPr>
+        <p:blipFill>
+          <a:blip r:embed="rId2"/>
+          <a:stretch>
+            <a:fillRect/>
+          </a:stretch>
+        </p:blipFill>
+        <p:spPr>
+          <a:xfrm>
+            <a:off x="647700" y="2711450"/>
+            <a:ext cx="5181600" cy="2579370"/>
+          </a:xfrm>
+          <a:prstGeom prst="rect">
+            <a:avLst/>
+          </a:prstGeom>
+        </p:spPr>
+      </p:pic>
+      <p:pic>
+        <p:nvPicPr>
+          <p:cNvPr id="9" name="Picture 8"/>
+          <p:cNvPicPr>
+            <a:picLocks noChangeAspect="1"/>
+          </p:cNvPicPr>
+          <p:nvPr/>
+        </p:nvPicPr>
+        <p:blipFill>
+          <a:blip r:embed="rId3"/>
+          <a:stretch>
+            <a:fillRect/>
+          </a:stretch>
+        </p:blipFill>
+        <p:spPr>
+          <a:xfrm>
+            <a:off x="2769870" y="1655445"/>
+            <a:ext cx="1571625" cy="428625"/>
+          </a:xfrm>
+          <a:prstGeom prst="rect">
+            <a:avLst/>
+          </a:prstGeom>
+        </p:spPr>
+      </p:pic>
+      <p:cxnSp>
+        <p:nvCxnSpPr>
+          <p:cNvPr id="10" name="Straight Connector 9"/>
+          <p:cNvCxnSpPr/>
+          <p:nvPr/>
+        </p:nvCxnSpPr>
+        <p:spPr>
+          <a:xfrm>
+            <a:off x="2632710" y="3629660"/>
+            <a:ext cx="1845310" cy="0"/>
+          </a:xfrm>
+          <a:prstGeom prst="line">
+            <a:avLst/>
+          </a:prstGeom>
+        </p:spPr>
+        <p:style>
+          <a:lnRef idx="1">
+            <a:schemeClr val="accent1"/>
+          </a:lnRef>
+          <a:fillRef idx="0">
+            <a:schemeClr val="accent1"/>
+          </a:fillRef>
+          <a:effectRef idx="0">
+            <a:schemeClr val="accent1"/>
+          </a:effectRef>
+          <a:fontRef idx="minor">
+            <a:schemeClr val="tx1"/>
+          </a:fontRef>
+        </p:style>
+      </p:cxnSp>
+      <p:cxnSp>
+        <p:nvCxnSpPr>
+          <p:cNvPr id="11" name="Straight Connector 10"/>
+          <p:cNvCxnSpPr/>
+          <p:nvPr/>
+        </p:nvCxnSpPr>
+        <p:spPr>
+          <a:xfrm>
+            <a:off x="2392045" y="4925060"/>
+            <a:ext cx="2138045" cy="0"/>
+          </a:xfrm>
+          <a:prstGeom prst="line">
+            <a:avLst/>
+          </a:prstGeom>
+        </p:spPr>
+        <p:style>
+          <a:lnRef idx="1">
+            <a:schemeClr val="accent1"/>
+          </a:lnRef>
+          <a:fillRef idx="0">
+            <a:schemeClr val="accent1"/>
+          </a:fillRef>
+          <a:effectRef idx="0">
+            <a:schemeClr val="accent1"/>
+          </a:effectRef>
+          <a:fontRef idx="minor">
+            <a:schemeClr val="tx1"/>
+          </a:fontRef>
+        </p:style>
+      </p:cxnSp>
+      <p:cxnSp>
+        <p:nvCxnSpPr>
+          <p:cNvPr id="12" name="Straight Connector 11"/>
+          <p:cNvCxnSpPr/>
+          <p:nvPr/>
+        </p:nvCxnSpPr>
+        <p:spPr>
+          <a:xfrm>
+            <a:off x="2392045" y="4565650"/>
+            <a:ext cx="1845310" cy="0"/>
+          </a:xfrm>
+          <a:prstGeom prst="line">
+            <a:avLst/>
+          </a:prstGeom>
+        </p:spPr>
+        <p:style>
+          <a:lnRef idx="1">
+            <a:schemeClr val="accent1"/>
+          </a:lnRef>
+          <a:fillRef idx="0">
+            <a:schemeClr val="accent1"/>
+          </a:fillRef>
+          <a:effectRef idx="0">
+            <a:schemeClr val="accent1"/>
+          </a:effectRef>
+          <a:fontRef idx="minor">
+            <a:schemeClr val="tx1"/>
+          </a:fontRef>
+        </p:style>
+      </p:cxnSp>
+    </p:spTree>
+  </p:cSld>
+  <p:clrMapOvr>
+    <a:masterClrMapping/>
+  </p:clrMapOvr>
+</p:sld>
+</file>
+
+<file path=ppt/slides/slide17.xml><?xml version="1.0" encoding="utf-8"?>
+<p:sld xmlns:a="http://schemas.openxmlformats.org/drawingml/2006/main" xmlns:r="http://schemas.openxmlformats.org/officeDocument/2006/relationships" xmlns:p="http://schemas.openxmlformats.org/presentationml/2006/main">
+  <p:cSld>
+    <p:spTree>
+      <p:nvGrpSpPr>
+        <p:cNvPr id="1" name=""/>
+        <p:cNvGrpSpPr/>
+        <p:nvPr/>
+      </p:nvGrpSpPr>
+      <p:grpSpPr/>
+      <p:sp>
+        <p:nvSpPr>
+          <p:cNvPr id="2" name="Title 1"/>
+          <p:cNvSpPr>
+            <a:spLocks noGrp="1"/>
+          </p:cNvSpPr>
+          <p:nvPr>
+            <p:ph type="title"/>
+          </p:nvPr>
+        </p:nvSpPr>
+        <p:spPr/>
+        <p:txBody>
+          <a:bodyPr/>
+          <a:p>
+            <a:r>
+              <a:rPr lang="zh-CN" altLang="en-US"/>
+              <a:t>用</a:t>
+            </a:r>
+            <a:r>
+              <a:rPr lang="en-US" altLang="zh-CN"/>
+              <a:t> map </a:t>
+            </a:r>
+            <a:r>
+              <a:rPr lang="zh-CN" altLang="en-US"/>
+              <a:t>来存储</a:t>
+            </a:r>
+            <a:endParaRPr lang="zh-CN" altLang="en-US"/>
+          </a:p>
+        </p:txBody>
+      </p:sp>
+      <p:pic>
+        <p:nvPicPr>
+          <p:cNvPr id="5" name="Content Placeholder 4"/>
+          <p:cNvPicPr>
+            <a:picLocks noChangeAspect="1"/>
+          </p:cNvPicPr>
+          <p:nvPr>
+            <p:ph sz="half" idx="1"/>
+          </p:nvPr>
+        </p:nvPicPr>
+        <p:blipFill>
+          <a:blip r:embed="rId1"/>
+          <a:stretch>
+            <a:fillRect/>
+          </a:stretch>
+        </p:blipFill>
+        <p:spPr>
+          <a:xfrm>
+            <a:off x="195580" y="1520190"/>
+            <a:ext cx="5621655" cy="5158105"/>
+          </a:xfrm>
+          <a:prstGeom prst="rect">
+            <a:avLst/>
+          </a:prstGeom>
+        </p:spPr>
+      </p:pic>
+      <p:pic>
+        <p:nvPicPr>
+          <p:cNvPr id="6" name="Content Placeholder 5"/>
+          <p:cNvPicPr>
+            <a:picLocks noChangeAspect="1"/>
+          </p:cNvPicPr>
+          <p:nvPr>
+            <p:ph sz="half" idx="2"/>
+          </p:nvPr>
+        </p:nvPicPr>
+        <p:blipFill>
+          <a:blip r:embed="rId2"/>
+          <a:stretch>
+            <a:fillRect/>
+          </a:stretch>
+        </p:blipFill>
+        <p:spPr>
+          <a:xfrm>
+            <a:off x="6826250" y="0"/>
+            <a:ext cx="5365750" cy="6858000"/>
+          </a:xfrm>
+          <a:prstGeom prst="rect">
+            <a:avLst/>
+          </a:prstGeom>
+        </p:spPr>
+      </p:pic>
+      <p:pic>
+        <p:nvPicPr>
+          <p:cNvPr id="7" name="Picture 6"/>
+          <p:cNvPicPr>
+            <a:picLocks noChangeAspect="1"/>
+          </p:cNvPicPr>
+          <p:nvPr/>
+        </p:nvPicPr>
+        <p:blipFill>
+          <a:blip r:embed="rId3"/>
+          <a:stretch>
+            <a:fillRect/>
+          </a:stretch>
+        </p:blipFill>
+        <p:spPr>
+          <a:xfrm>
+            <a:off x="3571240" y="909955"/>
+            <a:ext cx="1704975" cy="438150"/>
+          </a:xfrm>
+          <a:prstGeom prst="rect">
+            <a:avLst/>
+          </a:prstGeom>
+        </p:spPr>
+      </p:pic>
+      <p:cxnSp>
+        <p:nvCxnSpPr>
+          <p:cNvPr id="8" name="Straight Connector 7"/>
+          <p:cNvCxnSpPr/>
+          <p:nvPr/>
+        </p:nvCxnSpPr>
+        <p:spPr>
+          <a:xfrm>
+            <a:off x="1975485" y="2646680"/>
+            <a:ext cx="3424555" cy="0"/>
+          </a:xfrm>
+          <a:prstGeom prst="line">
+            <a:avLst/>
+          </a:prstGeom>
+        </p:spPr>
+        <p:style>
+          <a:lnRef idx="1">
+            <a:schemeClr val="accent1"/>
+          </a:lnRef>
+          <a:fillRef idx="0">
+            <a:schemeClr val="accent1"/>
+          </a:fillRef>
+          <a:effectRef idx="0">
+            <a:schemeClr val="accent1"/>
+          </a:effectRef>
+          <a:fontRef idx="minor">
+            <a:schemeClr val="tx1"/>
+          </a:fontRef>
+        </p:style>
+      </p:cxnSp>
+      <p:cxnSp>
+        <p:nvCxnSpPr>
+          <p:cNvPr id="9" name="Straight Connector 8"/>
+          <p:cNvCxnSpPr/>
+          <p:nvPr/>
+        </p:nvCxnSpPr>
+        <p:spPr>
+          <a:xfrm>
+            <a:off x="1629410" y="4438650"/>
+            <a:ext cx="2200910" cy="0"/>
+          </a:xfrm>
+          <a:prstGeom prst="line">
+            <a:avLst/>
+          </a:prstGeom>
+        </p:spPr>
+        <p:style>
+          <a:lnRef idx="1">
+            <a:schemeClr val="accent1"/>
+          </a:lnRef>
+          <a:fillRef idx="0">
+            <a:schemeClr val="accent1"/>
+          </a:fillRef>
+          <a:effectRef idx="0">
+            <a:schemeClr val="accent1"/>
+          </a:effectRef>
+          <a:fontRef idx="minor">
+            <a:schemeClr val="tx1"/>
+          </a:fontRef>
+        </p:style>
+      </p:cxnSp>
+      <p:cxnSp>
+        <p:nvCxnSpPr>
+          <p:cNvPr id="10" name="Straight Connector 9"/>
+          <p:cNvCxnSpPr/>
+          <p:nvPr/>
+        </p:nvCxnSpPr>
+        <p:spPr>
+          <a:xfrm>
+            <a:off x="1370330" y="5738495"/>
+            <a:ext cx="1845310" cy="0"/>
+          </a:xfrm>
+          <a:prstGeom prst="line">
+            <a:avLst/>
+          </a:prstGeom>
+        </p:spPr>
+        <p:style>
+          <a:lnRef idx="1">
+            <a:schemeClr val="accent1"/>
+          </a:lnRef>
+          <a:fillRef idx="0">
+            <a:schemeClr val="accent1"/>
+          </a:fillRef>
+          <a:effectRef idx="0">
+            <a:schemeClr val="accent1"/>
+          </a:effectRef>
+          <a:fontRef idx="minor">
+            <a:schemeClr val="tx1"/>
+          </a:fontRef>
+        </p:style>
+      </p:cxnSp>
+    </p:spTree>
+  </p:cSld>
+  <p:clrMapOvr>
+    <a:masterClrMapping/>
+  </p:clrMapOvr>
+</p:sld>
+</file>
+
+<file path=ppt/slides/slide18.xml><?xml version="1.0" encoding="utf-8"?>
+<p:sld xmlns:a="http://schemas.openxmlformats.org/drawingml/2006/main" xmlns:r="http://schemas.openxmlformats.org/officeDocument/2006/relationships" xmlns:p="http://schemas.openxmlformats.org/presentationml/2006/main">
+  <p:cSld>
+    <p:spTree>
+      <p:nvGrpSpPr>
+        <p:cNvPr id="1" name=""/>
+        <p:cNvGrpSpPr/>
+        <p:nvPr/>
+      </p:nvGrpSpPr>
+      <p:grpSpPr/>
+      <p:sp>
+        <p:nvSpPr>
+          <p:cNvPr id="2" name="Title 1"/>
+          <p:cNvSpPr>
+            <a:spLocks noGrp="1"/>
+          </p:cNvSpPr>
+          <p:nvPr>
+            <p:ph type="title"/>
+          </p:nvPr>
+        </p:nvSpPr>
+        <p:spPr/>
+        <p:txBody>
+          <a:bodyPr/>
+          <a:p>
+            <a:r>
+              <a:rPr lang="zh-CN" altLang="en-US"/>
+              <a:t>用</a:t>
+            </a:r>
+            <a:r>
+              <a:rPr lang="en-US" altLang="zh-CN"/>
+              <a:t> unordered_map </a:t>
+            </a:r>
+            <a:r>
+              <a:rPr lang="zh-CN" altLang="en-US"/>
+              <a:t>来存储</a:t>
+            </a:r>
+            <a:endParaRPr lang="zh-CN" altLang="en-US"/>
+          </a:p>
+        </p:txBody>
+      </p:sp>
+      <p:pic>
+        <p:nvPicPr>
+          <p:cNvPr id="6" name="Content Placeholder 5"/>
+          <p:cNvPicPr>
+            <a:picLocks noChangeAspect="1"/>
+          </p:cNvPicPr>
+          <p:nvPr>
+            <p:ph sz="half" idx="2"/>
+          </p:nvPr>
+        </p:nvPicPr>
+        <p:blipFill>
+          <a:blip r:embed="rId1"/>
+          <a:stretch>
+            <a:fillRect/>
+          </a:stretch>
+        </p:blipFill>
+        <p:spPr>
+          <a:xfrm>
+            <a:off x="0" y="1330960"/>
+            <a:ext cx="4324350" cy="5527040"/>
+          </a:xfrm>
+          <a:prstGeom prst="rect">
+            <a:avLst/>
+          </a:prstGeom>
+        </p:spPr>
+      </p:pic>
+      <p:pic>
+        <p:nvPicPr>
+          <p:cNvPr id="3" name="Picture 2"/>
+          <p:cNvPicPr>
+            <a:picLocks noChangeAspect="1"/>
+          </p:cNvPicPr>
+          <p:nvPr/>
+        </p:nvPicPr>
+        <p:blipFill>
+          <a:blip r:embed="rId2"/>
+          <a:stretch>
+            <a:fillRect/>
+          </a:stretch>
+        </p:blipFill>
+        <p:spPr>
+          <a:xfrm>
+            <a:off x="4629150" y="389890"/>
+            <a:ext cx="1704975" cy="428625"/>
+          </a:xfrm>
+          <a:prstGeom prst="rect">
+            <a:avLst/>
+          </a:prstGeom>
+        </p:spPr>
+      </p:pic>
+      <p:pic>
+        <p:nvPicPr>
+          <p:cNvPr id="8" name="Content Placeholder 7"/>
+          <p:cNvPicPr>
+            <a:picLocks noChangeAspect="1"/>
+          </p:cNvPicPr>
+          <p:nvPr>
+            <p:ph sz="half" idx="1"/>
+          </p:nvPr>
+        </p:nvPicPr>
+        <p:blipFill>
+          <a:blip r:embed="rId3"/>
+          <a:stretch>
+            <a:fillRect/>
+          </a:stretch>
+        </p:blipFill>
+        <p:spPr>
+          <a:xfrm>
+            <a:off x="5676900" y="1002665"/>
+            <a:ext cx="6515100" cy="5855335"/>
+          </a:xfrm>
+          <a:prstGeom prst="rect">
+            <a:avLst/>
+          </a:prstGeom>
+        </p:spPr>
+      </p:pic>
+      <p:cxnSp>
+        <p:nvCxnSpPr>
+          <p:cNvPr id="12" name="Straight Connector 11"/>
+          <p:cNvCxnSpPr/>
+          <p:nvPr/>
+        </p:nvCxnSpPr>
+        <p:spPr>
+          <a:xfrm>
+            <a:off x="6047740" y="2774315"/>
+            <a:ext cx="4639945" cy="0"/>
+          </a:xfrm>
+          <a:prstGeom prst="line">
+            <a:avLst/>
+          </a:prstGeom>
+        </p:spPr>
+        <p:style>
+          <a:lnRef idx="1">
+            <a:schemeClr val="accent1"/>
+          </a:lnRef>
+          <a:fillRef idx="0">
+            <a:schemeClr val="accent1"/>
+          </a:fillRef>
+          <a:effectRef idx="0">
+            <a:schemeClr val="accent1"/>
+          </a:effectRef>
+          <a:fontRef idx="minor">
+            <a:schemeClr val="tx1"/>
+          </a:fontRef>
+        </p:style>
+      </p:cxnSp>
+    </p:spTree>
+  </p:cSld>
+  <p:clrMapOvr>
+    <a:masterClrMapping/>
+  </p:clrMapOvr>
+</p:sld>
+</file>
+
+<file path=ppt/slides/slide19.xml><?xml version="1.0" encoding="utf-8"?>
+<p:sld xmlns:a="http://schemas.openxmlformats.org/drawingml/2006/main" xmlns:r="http://schemas.openxmlformats.org/officeDocument/2006/relationships" xmlns:p="http://schemas.openxmlformats.org/presentationml/2006/main">
+  <p:cSld>
+    <p:spTree>
+      <p:nvGrpSpPr>
+        <p:cNvPr id="1" name=""/>
+        <p:cNvGrpSpPr/>
+        <p:nvPr/>
+      </p:nvGrpSpPr>
+      <p:grpSpPr/>
+      <p:sp>
+        <p:nvSpPr>
+          <p:cNvPr id="2" name="Title 1"/>
+          <p:cNvSpPr>
+            <a:spLocks noGrp="1"/>
+          </p:cNvSpPr>
+          <p:nvPr>
+            <p:ph type="title"/>
+          </p:nvPr>
+        </p:nvSpPr>
+        <p:spPr/>
+        <p:txBody>
+          <a:bodyPr/>
+          <a:p>
+            <a:r>
+              <a:rPr lang="zh-CN" altLang="en-US"/>
+              <a:t>用</a:t>
+            </a:r>
+            <a:r>
+              <a:rPr lang="en-US" altLang="zh-CN"/>
+              <a:t> unordered_map </a:t>
+            </a:r>
+            <a:r>
+              <a:rPr lang="zh-CN" altLang="en-US"/>
+              <a:t>按</a:t>
+            </a:r>
+            <a:r>
+              <a:rPr lang="en-US" altLang="zh-CN"/>
+              <a:t> 16x16 </a:t>
+            </a:r>
+            <a:r>
+              <a:rPr lang="zh-CN" altLang="en-US"/>
+              <a:t>分块存储</a:t>
+            </a:r>
+            <a:endParaRPr lang="zh-CN" altLang="en-US"/>
+          </a:p>
+        </p:txBody>
+      </p:sp>
+      <p:pic>
+        <p:nvPicPr>
+          <p:cNvPr id="6" name="Content Placeholder 5"/>
+          <p:cNvPicPr>
+            <a:picLocks noChangeAspect="1"/>
+          </p:cNvPicPr>
+          <p:nvPr>
+            <p:ph sz="half" idx="2"/>
+          </p:nvPr>
+        </p:nvPicPr>
+        <p:blipFill>
+          <a:blip r:embed="rId1"/>
+          <a:stretch>
+            <a:fillRect/>
+          </a:stretch>
+        </p:blipFill>
+        <p:spPr>
+          <a:xfrm>
+            <a:off x="0" y="1208405"/>
+            <a:ext cx="4420235" cy="5649595"/>
+          </a:xfrm>
+          <a:prstGeom prst="rect">
+            <a:avLst/>
+          </a:prstGeom>
+        </p:spPr>
+      </p:pic>
+      <p:pic>
+        <p:nvPicPr>
+          <p:cNvPr id="5" name="Content Placeholder 4"/>
+          <p:cNvPicPr>
+            <a:picLocks noChangeAspect="1"/>
+          </p:cNvPicPr>
+          <p:nvPr>
+            <p:ph sz="half" idx="1"/>
+          </p:nvPr>
+        </p:nvPicPr>
+        <p:blipFill>
+          <a:blip r:embed="rId2"/>
+          <a:stretch>
+            <a:fillRect/>
+          </a:stretch>
+        </p:blipFill>
+        <p:spPr>
+          <a:xfrm>
+            <a:off x="6496050" y="635"/>
+            <a:ext cx="5695950" cy="6837680"/>
+          </a:xfrm>
+          <a:prstGeom prst="rect">
+            <a:avLst/>
+          </a:prstGeom>
+        </p:spPr>
+      </p:pic>
+      <p:pic>
+        <p:nvPicPr>
+          <p:cNvPr id="7" name="Picture 6"/>
+          <p:cNvPicPr>
+            <a:picLocks noChangeAspect="1"/>
+          </p:cNvPicPr>
+          <p:nvPr/>
+        </p:nvPicPr>
+        <p:blipFill>
+          <a:blip r:embed="rId3"/>
+          <a:stretch>
+            <a:fillRect/>
+          </a:stretch>
+        </p:blipFill>
+        <p:spPr>
+          <a:xfrm>
+            <a:off x="4563110" y="1584325"/>
+            <a:ext cx="1790700" cy="400050"/>
+          </a:xfrm>
+          <a:prstGeom prst="rect">
+            <a:avLst/>
+          </a:prstGeom>
+        </p:spPr>
+      </p:pic>
+      <p:cxnSp>
+        <p:nvCxnSpPr>
+          <p:cNvPr id="14" name="Straight Connector 13"/>
+          <p:cNvCxnSpPr/>
+          <p:nvPr/>
+        </p:nvCxnSpPr>
+        <p:spPr>
+          <a:xfrm>
+            <a:off x="8716645" y="2992120"/>
+            <a:ext cx="2122170" cy="0"/>
+          </a:xfrm>
+          <a:prstGeom prst="line">
+            <a:avLst/>
+          </a:prstGeom>
+        </p:spPr>
+        <p:style>
+          <a:lnRef idx="1">
+            <a:schemeClr val="accent1"/>
+          </a:lnRef>
+          <a:fillRef idx="0">
+            <a:schemeClr val="accent1"/>
+          </a:fillRef>
+          <a:effectRef idx="0">
+            <a:schemeClr val="accent1"/>
+          </a:effectRef>
+          <a:fontRef idx="minor">
+            <a:schemeClr val="tx1"/>
+          </a:fontRef>
+        </p:style>
+      </p:cxnSp>
+      <p:cxnSp>
+        <p:nvCxnSpPr>
+          <p:cNvPr id="11" name="Straight Connector 10"/>
+          <p:cNvCxnSpPr/>
+          <p:nvPr/>
+        </p:nvCxnSpPr>
+        <p:spPr>
+          <a:xfrm>
+            <a:off x="8077200" y="4491990"/>
+            <a:ext cx="1021080" cy="0"/>
+          </a:xfrm>
+          <a:prstGeom prst="line">
+            <a:avLst/>
+          </a:prstGeom>
+        </p:spPr>
+        <p:style>
+          <a:lnRef idx="1">
+            <a:schemeClr val="accent1"/>
+          </a:lnRef>
+          <a:fillRef idx="0">
+            <a:schemeClr val="accent1"/>
+          </a:fillRef>
+          <a:effectRef idx="0">
+            <a:schemeClr val="accent1"/>
+          </a:effectRef>
+          <a:fontRef idx="minor">
+            <a:schemeClr val="tx1"/>
+          </a:fontRef>
+        </p:style>
+      </p:cxnSp>
+      <p:cxnSp>
+        <p:nvCxnSpPr>
+          <p:cNvPr id="12" name="Straight Connector 11"/>
+          <p:cNvCxnSpPr/>
+          <p:nvPr/>
+        </p:nvCxnSpPr>
+        <p:spPr>
+          <a:xfrm>
+            <a:off x="8375015" y="5981065"/>
+            <a:ext cx="1754505" cy="0"/>
+          </a:xfrm>
+          <a:prstGeom prst="line">
+            <a:avLst/>
+          </a:prstGeom>
+        </p:spPr>
+        <p:style>
+          <a:lnRef idx="1">
+            <a:schemeClr val="accent1"/>
+          </a:lnRef>
+          <a:fillRef idx="0">
+            <a:schemeClr val="accent1"/>
+          </a:fillRef>
+          <a:effectRef idx="0">
+            <a:schemeClr val="accent1"/>
+          </a:effectRef>
+          <a:fontRef idx="minor">
+            <a:schemeClr val="tx1"/>
+          </a:fontRef>
+        </p:style>
+      </p:cxnSp>
+    </p:spTree>
+  </p:cSld>
+  <p:clrMapOvr>
+    <a:masterClrMapping/>
+  </p:clrMapOvr>
+</p:sld>
+</file>
+
 <file path=ppt/slides/slide2.xml><?xml version="1.0" encoding="utf-8"?>
 <p:sld xmlns:a="http://schemas.openxmlformats.org/drawingml/2006/main" xmlns:r="http://schemas.openxmlformats.org/officeDocument/2006/relationships" xmlns:p="http://schemas.openxmlformats.org/presentationml/2006/main">
   <p:cSld>
@@ -4195,6 +5272,1227 @@
           </a:p>
         </p:txBody>
       </p:sp>
+    </p:spTree>
+  </p:cSld>
+  <p:clrMapOvr>
+    <a:masterClrMapping/>
+  </p:clrMapOvr>
+</p:sld>
+</file>
+
+<file path=ppt/slides/slide20.xml><?xml version="1.0" encoding="utf-8"?>
+<p:sld xmlns:a="http://schemas.openxmlformats.org/drawingml/2006/main" xmlns:r="http://schemas.openxmlformats.org/officeDocument/2006/relationships" xmlns:p="http://schemas.openxmlformats.org/presentationml/2006/main">
+  <p:cSld>
+    <p:spTree>
+      <p:nvGrpSpPr>
+        <p:cNvPr id="1" name=""/>
+        <p:cNvGrpSpPr/>
+        <p:nvPr/>
+      </p:nvGrpSpPr>
+      <p:grpSpPr/>
+      <p:sp>
+        <p:nvSpPr>
+          <p:cNvPr id="2" name="Title 1"/>
+          <p:cNvSpPr>
+            <a:spLocks noGrp="1"/>
+          </p:cNvSpPr>
+          <p:nvPr>
+            <p:ph type="title"/>
+          </p:nvPr>
+        </p:nvSpPr>
+        <p:spPr>
+          <a:xfrm>
+            <a:off x="572770" y="-302260"/>
+            <a:ext cx="10515600" cy="1325563"/>
+          </a:xfrm>
+        </p:spPr>
+        <p:txBody>
+          <a:bodyPr/>
+          <a:p>
+            <a:r>
+              <a:rPr lang="zh-CN" altLang="en-US"/>
+              <a:t>在</a:t>
+            </a:r>
+            <a:r>
+              <a:rPr lang="en-US" altLang="zh-CN"/>
+              <a:t> 16x16 </a:t>
+            </a:r>
+            <a:r>
+              <a:rPr lang="zh-CN" altLang="en-US"/>
+              <a:t>分块的基础上，只用一个</a:t>
+            </a:r>
+            <a:r>
+              <a:rPr lang="en-US" altLang="zh-CN"/>
+              <a:t> bit </a:t>
+            </a:r>
+            <a:r>
+              <a:rPr lang="zh-CN" altLang="en-US"/>
+              <a:t>存储</a:t>
+            </a:r>
+            <a:endParaRPr lang="en-US" altLang="zh-CN"/>
+          </a:p>
+        </p:txBody>
+      </p:sp>
+      <p:pic>
+        <p:nvPicPr>
+          <p:cNvPr id="6" name="Content Placeholder 5"/>
+          <p:cNvPicPr>
+            <a:picLocks noChangeAspect="1"/>
+          </p:cNvPicPr>
+          <p:nvPr>
+            <p:ph sz="half" idx="2"/>
+          </p:nvPr>
+        </p:nvPicPr>
+        <p:blipFill>
+          <a:blip r:embed="rId1"/>
+          <a:stretch>
+            <a:fillRect/>
+          </a:stretch>
+        </p:blipFill>
+        <p:spPr>
+          <a:xfrm>
+            <a:off x="0" y="663575"/>
+            <a:ext cx="4869815" cy="6224905"/>
+          </a:xfrm>
+          <a:prstGeom prst="rect">
+            <a:avLst/>
+          </a:prstGeom>
+        </p:spPr>
+      </p:pic>
+      <p:pic>
+        <p:nvPicPr>
+          <p:cNvPr id="10" name="Picture 9"/>
+          <p:cNvPicPr>
+            <a:picLocks noChangeAspect="1"/>
+          </p:cNvPicPr>
+          <p:nvPr/>
+        </p:nvPicPr>
+        <p:blipFill>
+          <a:blip r:embed="rId2"/>
+          <a:stretch>
+            <a:fillRect/>
+          </a:stretch>
+        </p:blipFill>
+        <p:spPr>
+          <a:xfrm>
+            <a:off x="5323205" y="1412875"/>
+            <a:ext cx="1809750" cy="438150"/>
+          </a:xfrm>
+          <a:prstGeom prst="rect">
+            <a:avLst/>
+          </a:prstGeom>
+        </p:spPr>
+      </p:pic>
+      <p:pic>
+        <p:nvPicPr>
+          <p:cNvPr id="12" name="Content Placeholder 11"/>
+          <p:cNvPicPr>
+            <a:picLocks noChangeAspect="1"/>
+          </p:cNvPicPr>
+          <p:nvPr>
+            <p:ph sz="half" idx="1"/>
+          </p:nvPr>
+        </p:nvPicPr>
+        <p:blipFill>
+          <a:blip r:embed="rId3"/>
+          <a:stretch>
+            <a:fillRect/>
+          </a:stretch>
+        </p:blipFill>
+        <p:spPr>
+          <a:xfrm>
+            <a:off x="7690485" y="-9525"/>
+            <a:ext cx="4501515" cy="6925945"/>
+          </a:xfrm>
+          <a:prstGeom prst="rect">
+            <a:avLst/>
+          </a:prstGeom>
+        </p:spPr>
+      </p:pic>
+      <p:cxnSp>
+        <p:nvCxnSpPr>
+          <p:cNvPr id="13" name="Straight Connector 12"/>
+          <p:cNvCxnSpPr/>
+          <p:nvPr/>
+        </p:nvCxnSpPr>
+        <p:spPr>
+          <a:xfrm>
+            <a:off x="8370570" y="3801745"/>
+            <a:ext cx="1513205" cy="0"/>
+          </a:xfrm>
+          <a:prstGeom prst="line">
+            <a:avLst/>
+          </a:prstGeom>
+        </p:spPr>
+        <p:style>
+          <a:lnRef idx="1">
+            <a:schemeClr val="accent1"/>
+          </a:lnRef>
+          <a:fillRef idx="0">
+            <a:schemeClr val="accent1"/>
+          </a:fillRef>
+          <a:effectRef idx="0">
+            <a:schemeClr val="accent1"/>
+          </a:effectRef>
+          <a:fontRef idx="minor">
+            <a:schemeClr val="tx1"/>
+          </a:fontRef>
+        </p:style>
+      </p:cxnSp>
+      <p:cxnSp>
+        <p:nvCxnSpPr>
+          <p:cNvPr id="14" name="Straight Connector 13"/>
+          <p:cNvCxnSpPr/>
+          <p:nvPr/>
+        </p:nvCxnSpPr>
+        <p:spPr>
+          <a:xfrm>
+            <a:off x="8597265" y="2897505"/>
+            <a:ext cx="3475355" cy="0"/>
+          </a:xfrm>
+          <a:prstGeom prst="line">
+            <a:avLst/>
+          </a:prstGeom>
+        </p:spPr>
+        <p:style>
+          <a:lnRef idx="1">
+            <a:schemeClr val="accent1"/>
+          </a:lnRef>
+          <a:fillRef idx="0">
+            <a:schemeClr val="accent1"/>
+          </a:fillRef>
+          <a:effectRef idx="0">
+            <a:schemeClr val="accent1"/>
+          </a:effectRef>
+          <a:fontRef idx="minor">
+            <a:schemeClr val="tx1"/>
+          </a:fontRef>
+        </p:style>
+      </p:cxnSp>
+    </p:spTree>
+  </p:cSld>
+  <p:clrMapOvr>
+    <a:masterClrMapping/>
+  </p:clrMapOvr>
+</p:sld>
+</file>
+
+<file path=ppt/slides/slide21.xml><?xml version="1.0" encoding="utf-8"?>
+<p:sld xmlns:a="http://schemas.openxmlformats.org/drawingml/2006/main" xmlns:r="http://schemas.openxmlformats.org/officeDocument/2006/relationships" xmlns:p="http://schemas.openxmlformats.org/presentationml/2006/main">
+  <p:cSld>
+    <p:spTree>
+      <p:nvGrpSpPr>
+        <p:cNvPr id="1" name=""/>
+        <p:cNvGrpSpPr/>
+        <p:nvPr/>
+      </p:nvGrpSpPr>
+      <p:grpSpPr/>
+      <p:sp>
+        <p:nvSpPr>
+          <p:cNvPr id="4" name="Title 3"/>
+          <p:cNvSpPr>
+            <a:spLocks noGrp="1"/>
+          </p:cNvSpPr>
+          <p:nvPr>
+            <p:ph type="title"/>
+          </p:nvPr>
+        </p:nvSpPr>
+        <p:spPr/>
+        <p:txBody>
+          <a:bodyPr/>
+          <a:p>
+            <a:r>
+              <a:rPr lang="zh-CN" altLang="en-US"/>
+              <a:t>第</a:t>
+            </a:r>
+            <a:r>
+              <a:rPr lang="en-US" altLang="zh-CN"/>
+              <a:t>3</a:t>
+            </a:r>
+            <a:r>
+              <a:rPr lang="zh-CN" altLang="en-US"/>
+              <a:t>章：位运算</a:t>
+            </a:r>
+            <a:endParaRPr lang="en-US" altLang="zh-CN"/>
+          </a:p>
+        </p:txBody>
+      </p:sp>
+    </p:spTree>
+  </p:cSld>
+  <p:clrMapOvr>
+    <a:masterClrMapping/>
+  </p:clrMapOvr>
+</p:sld>
+</file>
+
+<file path=ppt/slides/slide22.xml><?xml version="1.0" encoding="utf-8"?>
+<p:sld xmlns:a="http://schemas.openxmlformats.org/drawingml/2006/main" xmlns:r="http://schemas.openxmlformats.org/officeDocument/2006/relationships" xmlns:p="http://schemas.openxmlformats.org/presentationml/2006/main">
+  <p:cSld>
+    <p:spTree>
+      <p:nvGrpSpPr>
+        <p:cNvPr id="1" name=""/>
+        <p:cNvGrpSpPr/>
+        <p:nvPr/>
+      </p:nvGrpSpPr>
+      <p:grpSpPr/>
+      <p:sp>
+        <p:nvSpPr>
+          <p:cNvPr id="2" name="Title 1"/>
+          <p:cNvSpPr>
+            <a:spLocks noGrp="1"/>
+          </p:cNvSpPr>
+          <p:nvPr>
+            <p:ph type="title"/>
+          </p:nvPr>
+        </p:nvSpPr>
+        <p:spPr/>
+        <p:txBody>
+          <a:bodyPr/>
+          <a:p>
+            <a:r>
+              <a:rPr lang="zh-CN"/>
+              <a:t>稀疏</a:t>
+            </a:r>
+            <a:r>
+              <a:rPr lang="zh-CN" altLang="en-US"/>
+              <a:t>的好处：坐标可以是负数</a:t>
+            </a:r>
+            <a:endParaRPr lang="zh-CN" altLang="en-US"/>
+          </a:p>
+        </p:txBody>
+      </p:sp>
+      <p:pic>
+        <p:nvPicPr>
+          <p:cNvPr id="8" name="Content Placeholder 7"/>
+          <p:cNvPicPr>
+            <a:picLocks noChangeAspect="1"/>
+          </p:cNvPicPr>
+          <p:nvPr>
+            <p:ph sz="half" idx="1"/>
+          </p:nvPr>
+        </p:nvPicPr>
+        <p:blipFill>
+          <a:blip r:embed="rId1"/>
+          <a:stretch>
+            <a:fillRect/>
+          </a:stretch>
+        </p:blipFill>
+        <p:spPr>
+          <a:xfrm>
+            <a:off x="5365115" y="721995"/>
+            <a:ext cx="6826885" cy="6136005"/>
+          </a:xfrm>
+          <a:prstGeom prst="rect">
+            <a:avLst/>
+          </a:prstGeom>
+        </p:spPr>
+      </p:pic>
+      <p:pic>
+        <p:nvPicPr>
+          <p:cNvPr id="5" name="Content Placeholder 4"/>
+          <p:cNvPicPr>
+            <a:picLocks noChangeAspect="1"/>
+          </p:cNvPicPr>
+          <p:nvPr>
+            <p:ph sz="half" idx="2"/>
+          </p:nvPr>
+        </p:nvPicPr>
+        <p:blipFill>
+          <a:blip r:embed="rId2"/>
+          <a:stretch>
+            <a:fillRect/>
+          </a:stretch>
+        </p:blipFill>
+        <p:spPr>
+          <a:xfrm>
+            <a:off x="0" y="1145540"/>
+            <a:ext cx="4490720" cy="5725795"/>
+          </a:xfrm>
+          <a:prstGeom prst="rect">
+            <a:avLst/>
+          </a:prstGeom>
+        </p:spPr>
+      </p:pic>
+      <p:pic>
+        <p:nvPicPr>
+          <p:cNvPr id="9" name="Picture 8"/>
+          <p:cNvPicPr>
+            <a:picLocks noChangeAspect="1"/>
+          </p:cNvPicPr>
+          <p:nvPr/>
+        </p:nvPicPr>
+        <p:blipFill>
+          <a:blip r:embed="rId3"/>
+          <a:stretch>
+            <a:fillRect/>
+          </a:stretch>
+        </p:blipFill>
+        <p:spPr>
+          <a:xfrm>
+            <a:off x="8128000" y="162560"/>
+            <a:ext cx="1743075" cy="438150"/>
+          </a:xfrm>
+          <a:prstGeom prst="rect">
+            <a:avLst/>
+          </a:prstGeom>
+        </p:spPr>
+      </p:pic>
+      <p:cxnSp>
+        <p:nvCxnSpPr>
+          <p:cNvPr id="13" name="Straight Connector 12"/>
+          <p:cNvCxnSpPr/>
+          <p:nvPr/>
+        </p:nvCxnSpPr>
+        <p:spPr>
+          <a:xfrm>
+            <a:off x="917575" y="2428240"/>
+            <a:ext cx="2240915" cy="0"/>
+          </a:xfrm>
+          <a:prstGeom prst="line">
+            <a:avLst/>
+          </a:prstGeom>
+        </p:spPr>
+        <p:style>
+          <a:lnRef idx="1">
+            <a:schemeClr val="accent1"/>
+          </a:lnRef>
+          <a:fillRef idx="0">
+            <a:schemeClr val="accent1"/>
+          </a:fillRef>
+          <a:effectRef idx="0">
+            <a:schemeClr val="accent1"/>
+          </a:effectRef>
+          <a:fontRef idx="minor">
+            <a:schemeClr val="tx1"/>
+          </a:fontRef>
+        </p:style>
+      </p:cxnSp>
+    </p:spTree>
+  </p:cSld>
+  <p:clrMapOvr>
+    <a:masterClrMapping/>
+  </p:clrMapOvr>
+</p:sld>
+</file>
+
+<file path=ppt/slides/slide23.xml><?xml version="1.0" encoding="utf-8"?>
+<p:sld xmlns:a="http://schemas.openxmlformats.org/drawingml/2006/main" xmlns:r="http://schemas.openxmlformats.org/officeDocument/2006/relationships" xmlns:p="http://schemas.openxmlformats.org/presentationml/2006/main">
+  <p:cSld>
+    <p:spTree>
+      <p:nvGrpSpPr>
+        <p:cNvPr id="1" name=""/>
+        <p:cNvGrpSpPr/>
+        <p:nvPr/>
+      </p:nvGrpSpPr>
+      <p:grpSpPr/>
+      <p:sp>
+        <p:nvSpPr>
+          <p:cNvPr id="2" name="Title 1"/>
+          <p:cNvSpPr>
+            <a:spLocks noGrp="1"/>
+          </p:cNvSpPr>
+          <p:nvPr>
+            <p:ph type="title"/>
+          </p:nvPr>
+        </p:nvSpPr>
+        <p:spPr/>
+        <p:txBody>
+          <a:bodyPr/>
+          <a:p>
+            <a:r>
+              <a:rPr lang="zh-CN" altLang="en-US"/>
+              <a:t>但是按</a:t>
+            </a:r>
+            <a:r>
+              <a:rPr lang="en-US" altLang="zh-CN"/>
+              <a:t> 16x16 </a:t>
+            </a:r>
+            <a:r>
+              <a:rPr lang="zh-CN" altLang="en-US"/>
+              <a:t>分块存储却出错了</a:t>
+            </a:r>
+            <a:endParaRPr lang="zh-CN" altLang="en-US"/>
+          </a:p>
+        </p:txBody>
+      </p:sp>
+      <p:pic>
+        <p:nvPicPr>
+          <p:cNvPr id="6" name="Content Placeholder 5"/>
+          <p:cNvPicPr>
+            <a:picLocks noChangeAspect="1"/>
+          </p:cNvPicPr>
+          <p:nvPr>
+            <p:ph sz="half" idx="2"/>
+          </p:nvPr>
+        </p:nvPicPr>
+        <p:blipFill>
+          <a:blip r:embed="rId1"/>
+          <a:stretch>
+            <a:fillRect/>
+          </a:stretch>
+        </p:blipFill>
+        <p:spPr>
+          <a:xfrm>
+            <a:off x="0" y="1534795"/>
+            <a:ext cx="4164965" cy="5323205"/>
+          </a:xfrm>
+          <a:prstGeom prst="rect">
+            <a:avLst/>
+          </a:prstGeom>
+        </p:spPr>
+      </p:pic>
+      <p:pic>
+        <p:nvPicPr>
+          <p:cNvPr id="5" name="Content Placeholder 4"/>
+          <p:cNvPicPr>
+            <a:picLocks noChangeAspect="1"/>
+          </p:cNvPicPr>
+          <p:nvPr>
+            <p:ph sz="half" idx="1"/>
+          </p:nvPr>
+        </p:nvPicPr>
+        <p:blipFill>
+          <a:blip r:embed="rId2"/>
+          <a:stretch>
+            <a:fillRect/>
+          </a:stretch>
+        </p:blipFill>
+        <p:spPr>
+          <a:xfrm>
+            <a:off x="6473190" y="-6350"/>
+            <a:ext cx="5718810" cy="6864350"/>
+          </a:xfrm>
+          <a:prstGeom prst="rect">
+            <a:avLst/>
+          </a:prstGeom>
+        </p:spPr>
+      </p:pic>
+      <p:pic>
+        <p:nvPicPr>
+          <p:cNvPr id="3" name="Picture 2"/>
+          <p:cNvPicPr>
+            <a:picLocks noChangeAspect="1"/>
+          </p:cNvPicPr>
+          <p:nvPr/>
+        </p:nvPicPr>
+        <p:blipFill>
+          <a:blip r:embed="rId3"/>
+          <a:stretch>
+            <a:fillRect/>
+          </a:stretch>
+        </p:blipFill>
+        <p:spPr>
+          <a:xfrm>
+            <a:off x="2886710" y="363220"/>
+            <a:ext cx="3409950" cy="266700"/>
+          </a:xfrm>
+          <a:prstGeom prst="rect">
+            <a:avLst/>
+          </a:prstGeom>
+        </p:spPr>
+      </p:pic>
+    </p:spTree>
+  </p:cSld>
+  <p:clrMapOvr>
+    <a:masterClrMapping/>
+  </p:clrMapOvr>
+</p:sld>
+</file>
+
+<file path=ppt/slides/slide24.xml><?xml version="1.0" encoding="utf-8"?>
+<p:sld xmlns:a="http://schemas.openxmlformats.org/drawingml/2006/main" xmlns:r="http://schemas.openxmlformats.org/officeDocument/2006/relationships" xmlns:p="http://schemas.openxmlformats.org/presentationml/2006/main">
+  <p:cSld>
+    <p:spTree>
+      <p:nvGrpSpPr>
+        <p:cNvPr id="1" name=""/>
+        <p:cNvGrpSpPr/>
+        <p:nvPr/>
+      </p:nvGrpSpPr>
+      <p:grpSpPr/>
+      <p:sp>
+        <p:nvSpPr>
+          <p:cNvPr id="2" name="Title 1"/>
+          <p:cNvSpPr>
+            <a:spLocks noGrp="1"/>
+          </p:cNvSpPr>
+          <p:nvPr>
+            <p:ph type="title"/>
+          </p:nvPr>
+        </p:nvSpPr>
+        <p:spPr/>
+        <p:txBody>
+          <a:bodyPr/>
+          <a:p>
+            <a:r>
+              <a:rPr lang="zh-CN"/>
+              <a:t>解决：</a:t>
+            </a:r>
+            <a:r>
+              <a:rPr lang="en-US" altLang="zh-CN"/>
+              <a:t>&amp; </a:t>
+            </a:r>
+            <a:r>
+              <a:rPr lang="zh-CN" altLang="en-US"/>
+              <a:t>替代</a:t>
+            </a:r>
+            <a:r>
+              <a:rPr lang="en-US" altLang="zh-CN"/>
+              <a:t> %</a:t>
+            </a:r>
+            <a:r>
+              <a:rPr lang="zh-CN" altLang="en-US"/>
+              <a:t>，</a:t>
+            </a:r>
+            <a:r>
+              <a:rPr lang="en-US" altLang="zh-CN"/>
+              <a:t>&gt;&gt; </a:t>
+            </a:r>
+            <a:r>
+              <a:rPr lang="zh-CN" altLang="en-US"/>
+              <a:t>替代</a:t>
+            </a:r>
+            <a:r>
+              <a:rPr lang="en-US" altLang="zh-CN"/>
+              <a:t> /</a:t>
+            </a:r>
+            <a:r>
+              <a:rPr lang="zh-CN" altLang="en-US"/>
+              <a:t>，</a:t>
+            </a:r>
+            <a:r>
+              <a:rPr lang="en-US" altLang="zh-CN"/>
+              <a:t>| </a:t>
+            </a:r>
+            <a:r>
+              <a:rPr lang="zh-CN" altLang="en-US"/>
+              <a:t>替代</a:t>
+            </a:r>
+            <a:r>
+              <a:rPr lang="en-US" altLang="zh-CN"/>
+              <a:t> +</a:t>
+            </a:r>
+            <a:endParaRPr lang="en-US" altLang="zh-CN"/>
+          </a:p>
+        </p:txBody>
+      </p:sp>
+      <p:pic>
+        <p:nvPicPr>
+          <p:cNvPr id="6" name="Content Placeholder 5"/>
+          <p:cNvPicPr>
+            <a:picLocks noChangeAspect="1"/>
+          </p:cNvPicPr>
+          <p:nvPr>
+            <p:ph sz="half" idx="2"/>
+          </p:nvPr>
+        </p:nvPicPr>
+        <p:blipFill>
+          <a:blip r:embed="rId1"/>
+          <a:stretch>
+            <a:fillRect/>
+          </a:stretch>
+        </p:blipFill>
+        <p:spPr>
+          <a:xfrm>
+            <a:off x="0" y="1534795"/>
+            <a:ext cx="4164965" cy="5323205"/>
+          </a:xfrm>
+          <a:prstGeom prst="rect">
+            <a:avLst/>
+          </a:prstGeom>
+        </p:spPr>
+      </p:pic>
+      <p:pic>
+        <p:nvPicPr>
+          <p:cNvPr id="9" name="Picture 8"/>
+          <p:cNvPicPr>
+            <a:picLocks noChangeAspect="1"/>
+          </p:cNvPicPr>
+          <p:nvPr/>
+        </p:nvPicPr>
+        <p:blipFill>
+          <a:blip r:embed="rId2"/>
+          <a:stretch>
+            <a:fillRect/>
+          </a:stretch>
+        </p:blipFill>
+        <p:spPr>
+          <a:xfrm>
+            <a:off x="4164965" y="1659890"/>
+            <a:ext cx="1809750" cy="457200"/>
+          </a:xfrm>
+          <a:prstGeom prst="rect">
+            <a:avLst/>
+          </a:prstGeom>
+        </p:spPr>
+      </p:pic>
+      <p:pic>
+        <p:nvPicPr>
+          <p:cNvPr id="11" name="Content Placeholder 10"/>
+          <p:cNvPicPr>
+            <a:picLocks noChangeAspect="1"/>
+          </p:cNvPicPr>
+          <p:nvPr>
+            <p:ph sz="half" idx="1"/>
+          </p:nvPr>
+        </p:nvPicPr>
+        <p:blipFill>
+          <a:blip r:embed="rId3"/>
+          <a:stretch>
+            <a:fillRect/>
+          </a:stretch>
+        </p:blipFill>
+        <p:spPr>
+          <a:xfrm>
+            <a:off x="5974715" y="73660"/>
+            <a:ext cx="6217285" cy="6784340"/>
+          </a:xfrm>
+          <a:prstGeom prst="rect">
+            <a:avLst/>
+          </a:prstGeom>
+        </p:spPr>
+      </p:pic>
+      <p:cxnSp>
+        <p:nvCxnSpPr>
+          <p:cNvPr id="12" name="Straight Connector 11"/>
+          <p:cNvCxnSpPr/>
+          <p:nvPr/>
+        </p:nvCxnSpPr>
+        <p:spPr>
+          <a:xfrm>
+            <a:off x="9180195" y="3208020"/>
+            <a:ext cx="1715770" cy="0"/>
+          </a:xfrm>
+          <a:prstGeom prst="line">
+            <a:avLst/>
+          </a:prstGeom>
+        </p:spPr>
+        <p:style>
+          <a:lnRef idx="1">
+            <a:schemeClr val="accent1"/>
+          </a:lnRef>
+          <a:fillRef idx="0">
+            <a:schemeClr val="accent1"/>
+          </a:fillRef>
+          <a:effectRef idx="0">
+            <a:schemeClr val="accent1"/>
+          </a:effectRef>
+          <a:fontRef idx="minor">
+            <a:schemeClr val="tx1"/>
+          </a:fontRef>
+        </p:style>
+      </p:cxnSp>
+      <p:cxnSp>
+        <p:nvCxnSpPr>
+          <p:cNvPr id="13" name="Straight Connector 12"/>
+          <p:cNvCxnSpPr/>
+          <p:nvPr/>
+        </p:nvCxnSpPr>
+        <p:spPr>
+          <a:xfrm>
+            <a:off x="8323580" y="3836035"/>
+            <a:ext cx="1465580" cy="0"/>
+          </a:xfrm>
+          <a:prstGeom prst="line">
+            <a:avLst/>
+          </a:prstGeom>
+        </p:spPr>
+        <p:style>
+          <a:lnRef idx="1">
+            <a:schemeClr val="accent1"/>
+          </a:lnRef>
+          <a:fillRef idx="0">
+            <a:schemeClr val="accent1"/>
+          </a:fillRef>
+          <a:effectRef idx="0">
+            <a:schemeClr val="accent1"/>
+          </a:effectRef>
+          <a:fontRef idx="minor">
+            <a:schemeClr val="tx1"/>
+          </a:fontRef>
+        </p:style>
+      </p:cxnSp>
+      <p:cxnSp>
+        <p:nvCxnSpPr>
+          <p:cNvPr id="14" name="Straight Connector 13"/>
+          <p:cNvCxnSpPr/>
+          <p:nvPr/>
+        </p:nvCxnSpPr>
+        <p:spPr>
+          <a:xfrm>
+            <a:off x="7714615" y="6052185"/>
+            <a:ext cx="2745740" cy="0"/>
+          </a:xfrm>
+          <a:prstGeom prst="line">
+            <a:avLst/>
+          </a:prstGeom>
+        </p:spPr>
+        <p:style>
+          <a:lnRef idx="1">
+            <a:schemeClr val="accent1"/>
+          </a:lnRef>
+          <a:fillRef idx="0">
+            <a:schemeClr val="accent1"/>
+          </a:fillRef>
+          <a:effectRef idx="0">
+            <a:schemeClr val="accent1"/>
+          </a:effectRef>
+          <a:fontRef idx="minor">
+            <a:schemeClr val="tx1"/>
+          </a:fontRef>
+        </p:style>
+      </p:cxnSp>
+    </p:spTree>
+  </p:cSld>
+  <p:clrMapOvr>
+    <a:masterClrMapping/>
+  </p:clrMapOvr>
+</p:sld>
+</file>
+
+<file path=ppt/slides/slide25.xml><?xml version="1.0" encoding="utf-8"?>
+<p:sld xmlns:a="http://schemas.openxmlformats.org/drawingml/2006/main" xmlns:r="http://schemas.openxmlformats.org/officeDocument/2006/relationships" xmlns:p="http://schemas.openxmlformats.org/presentationml/2006/main">
+  <p:cSld>
+    <p:spTree>
+      <p:nvGrpSpPr>
+        <p:cNvPr id="1" name=""/>
+        <p:cNvGrpSpPr/>
+        <p:nvPr/>
+      </p:nvGrpSpPr>
+      <p:grpSpPr/>
+      <p:sp>
+        <p:nvSpPr>
+          <p:cNvPr id="2" name="Title 1"/>
+          <p:cNvSpPr>
+            <a:spLocks noGrp="1"/>
+          </p:cNvSpPr>
+          <p:nvPr>
+            <p:ph type="title"/>
+          </p:nvPr>
+        </p:nvSpPr>
+        <p:spPr/>
+        <p:txBody>
+          <a:bodyPr/>
+          <a:p>
+            <a:r>
+              <a:rPr lang="zh-CN"/>
+              <a:t>块编号直接为对齐的坐标，</a:t>
+            </a:r>
+            <a:r>
+              <a:rPr lang="en-US" altLang="zh-CN"/>
+              <a:t>&lt;&lt; </a:t>
+            </a:r>
+            <a:r>
+              <a:rPr lang="zh-CN" altLang="en-US"/>
+              <a:t>改成</a:t>
+            </a:r>
+            <a:r>
+              <a:rPr lang="en-US" altLang="zh-CN"/>
+              <a:t> &amp; </a:t>
+            </a:r>
+            <a:r>
+              <a:rPr lang="zh-CN" altLang="en-US"/>
+              <a:t>和</a:t>
+            </a:r>
+            <a:r>
+              <a:rPr lang="en-US" altLang="zh-CN"/>
+              <a:t> ~</a:t>
+            </a:r>
+            <a:endParaRPr lang="en-US" altLang="zh-CN"/>
+          </a:p>
+        </p:txBody>
+      </p:sp>
+      <p:pic>
+        <p:nvPicPr>
+          <p:cNvPr id="6" name="Content Placeholder 5"/>
+          <p:cNvPicPr>
+            <a:picLocks noChangeAspect="1"/>
+          </p:cNvPicPr>
+          <p:nvPr>
+            <p:ph sz="half" idx="2"/>
+          </p:nvPr>
+        </p:nvPicPr>
+        <p:blipFill>
+          <a:blip r:embed="rId1"/>
+          <a:stretch>
+            <a:fillRect/>
+          </a:stretch>
+        </p:blipFill>
+        <p:spPr>
+          <a:xfrm>
+            <a:off x="0" y="1534795"/>
+            <a:ext cx="4164965" cy="5323205"/>
+          </a:xfrm>
+          <a:prstGeom prst="rect">
+            <a:avLst/>
+          </a:prstGeom>
+        </p:spPr>
+      </p:pic>
+      <p:pic>
+        <p:nvPicPr>
+          <p:cNvPr id="3" name="Picture 2"/>
+          <p:cNvPicPr>
+            <a:picLocks noChangeAspect="1"/>
+          </p:cNvPicPr>
+          <p:nvPr/>
+        </p:nvPicPr>
+        <p:blipFill>
+          <a:blip r:embed="rId2"/>
+          <a:stretch>
+            <a:fillRect/>
+          </a:stretch>
+        </p:blipFill>
+        <p:spPr>
+          <a:xfrm>
+            <a:off x="4495800" y="1965960"/>
+            <a:ext cx="1838325" cy="428625"/>
+          </a:xfrm>
+          <a:prstGeom prst="rect">
+            <a:avLst/>
+          </a:prstGeom>
+        </p:spPr>
+      </p:pic>
+      <p:pic>
+        <p:nvPicPr>
+          <p:cNvPr id="5" name="Content Placeholder 4"/>
+          <p:cNvPicPr>
+            <a:picLocks noChangeAspect="1"/>
+          </p:cNvPicPr>
+          <p:nvPr>
+            <p:ph sz="half" idx="1"/>
+          </p:nvPr>
+        </p:nvPicPr>
+        <p:blipFill>
+          <a:blip r:embed="rId3"/>
+          <a:stretch>
+            <a:fillRect/>
+          </a:stretch>
+        </p:blipFill>
+        <p:spPr>
+          <a:xfrm>
+            <a:off x="6786880" y="-20320"/>
+            <a:ext cx="5405120" cy="6878320"/>
+          </a:xfrm>
+          <a:prstGeom prst="rect">
+            <a:avLst/>
+          </a:prstGeom>
+        </p:spPr>
+      </p:pic>
+      <p:cxnSp>
+        <p:nvCxnSpPr>
+          <p:cNvPr id="10" name="Straight Connector 9"/>
+          <p:cNvCxnSpPr/>
+          <p:nvPr/>
+        </p:nvCxnSpPr>
+        <p:spPr>
+          <a:xfrm>
+            <a:off x="10022205" y="3182620"/>
+            <a:ext cx="1630045" cy="0"/>
+          </a:xfrm>
+          <a:prstGeom prst="line">
+            <a:avLst/>
+          </a:prstGeom>
+        </p:spPr>
+        <p:style>
+          <a:lnRef idx="1">
+            <a:schemeClr val="accent1"/>
+          </a:lnRef>
+          <a:fillRef idx="0">
+            <a:schemeClr val="accent1"/>
+          </a:fillRef>
+          <a:effectRef idx="0">
+            <a:schemeClr val="accent1"/>
+          </a:effectRef>
+          <a:fontRef idx="minor">
+            <a:schemeClr val="tx1"/>
+          </a:fontRef>
+        </p:style>
+      </p:cxnSp>
+      <p:cxnSp>
+        <p:nvCxnSpPr>
+          <p:cNvPr id="7" name="Straight Connector 6"/>
+          <p:cNvCxnSpPr/>
+          <p:nvPr/>
+        </p:nvCxnSpPr>
+        <p:spPr>
+          <a:xfrm>
+            <a:off x="8550275" y="6090285"/>
+            <a:ext cx="1200785" cy="0"/>
+          </a:xfrm>
+          <a:prstGeom prst="line">
+            <a:avLst/>
+          </a:prstGeom>
+        </p:spPr>
+        <p:style>
+          <a:lnRef idx="1">
+            <a:schemeClr val="accent1"/>
+          </a:lnRef>
+          <a:fillRef idx="0">
+            <a:schemeClr val="accent1"/>
+          </a:fillRef>
+          <a:effectRef idx="0">
+            <a:schemeClr val="accent1"/>
+          </a:effectRef>
+          <a:fontRef idx="minor">
+            <a:schemeClr val="tx1"/>
+          </a:fontRef>
+        </p:style>
+      </p:cxnSp>
+      <p:cxnSp>
+        <p:nvCxnSpPr>
+          <p:cNvPr id="8" name="Straight Connector 7"/>
+          <p:cNvCxnSpPr/>
+          <p:nvPr/>
+        </p:nvCxnSpPr>
+        <p:spPr>
+          <a:xfrm>
+            <a:off x="10022205" y="4456430"/>
+            <a:ext cx="1630045" cy="0"/>
+          </a:xfrm>
+          <a:prstGeom prst="line">
+            <a:avLst/>
+          </a:prstGeom>
+        </p:spPr>
+        <p:style>
+          <a:lnRef idx="1">
+            <a:schemeClr val="accent1"/>
+          </a:lnRef>
+          <a:fillRef idx="0">
+            <a:schemeClr val="accent1"/>
+          </a:fillRef>
+          <a:effectRef idx="0">
+            <a:schemeClr val="accent1"/>
+          </a:effectRef>
+          <a:fontRef idx="minor">
+            <a:schemeClr val="tx1"/>
+          </a:fontRef>
+        </p:style>
+      </p:cxnSp>
+    </p:spTree>
+  </p:cSld>
+  <p:clrMapOvr>
+    <a:masterClrMapping/>
+  </p:clrMapOvr>
+</p:sld>
+</file>
+
+<file path=ppt/slides/slide26.xml><?xml version="1.0" encoding="utf-8"?>
+<p:sld xmlns:a="http://schemas.openxmlformats.org/drawingml/2006/main" xmlns:r="http://schemas.openxmlformats.org/officeDocument/2006/relationships" xmlns:p="http://schemas.openxmlformats.org/presentationml/2006/main">
+  <p:cSld>
+    <p:spTree>
+      <p:nvGrpSpPr>
+        <p:cNvPr id="1" name=""/>
+        <p:cNvGrpSpPr/>
+        <p:nvPr/>
+      </p:nvGrpSpPr>
+      <p:grpSpPr/>
+      <p:sp>
+        <p:nvSpPr>
+          <p:cNvPr id="2" name="Title 1"/>
+          <p:cNvSpPr>
+            <a:spLocks noGrp="1"/>
+          </p:cNvSpPr>
+          <p:nvPr>
+            <p:ph type="title"/>
+          </p:nvPr>
+        </p:nvSpPr>
+        <p:spPr/>
+        <p:txBody>
+          <a:bodyPr/>
+          <a:p>
+            <a:r>
+              <a:rPr lang="zh-CN"/>
+              <a:t>自动推算</a:t>
+            </a:r>
+            <a:r>
+              <a:rPr lang="en-US" altLang="zh-CN"/>
+              <a:t> B </a:t>
+            </a:r>
+            <a:r>
+              <a:rPr lang="zh-CN" altLang="en-US"/>
+              <a:t>和</a:t>
+            </a:r>
+            <a:r>
+              <a:rPr lang="en-US" altLang="zh-CN"/>
+              <a:t> Bmask</a:t>
+            </a:r>
+            <a:r>
+              <a:rPr lang="zh-CN" altLang="en-US"/>
+              <a:t>，顺便扁平化</a:t>
+            </a:r>
+            <a:r>
+              <a:rPr lang="en-US" altLang="zh-CN"/>
+              <a:t> Block</a:t>
+            </a:r>
+            <a:endParaRPr lang="en-US" altLang="zh-CN"/>
+          </a:p>
+        </p:txBody>
+      </p:sp>
+      <p:pic>
+        <p:nvPicPr>
+          <p:cNvPr id="6" name="Content Placeholder 5"/>
+          <p:cNvPicPr>
+            <a:picLocks noChangeAspect="1"/>
+          </p:cNvPicPr>
+          <p:nvPr>
+            <p:ph sz="half" idx="2"/>
+          </p:nvPr>
+        </p:nvPicPr>
+        <p:blipFill>
+          <a:blip r:embed="rId1"/>
+          <a:stretch>
+            <a:fillRect/>
+          </a:stretch>
+        </p:blipFill>
+        <p:spPr>
+          <a:xfrm>
+            <a:off x="0" y="1534795"/>
+            <a:ext cx="4164965" cy="5323205"/>
+          </a:xfrm>
+          <a:prstGeom prst="rect">
+            <a:avLst/>
+          </a:prstGeom>
+        </p:spPr>
+      </p:pic>
+      <p:pic>
+        <p:nvPicPr>
+          <p:cNvPr id="7" name="Content Placeholder 6"/>
+          <p:cNvPicPr>
+            <a:picLocks noChangeAspect="1"/>
+          </p:cNvPicPr>
+          <p:nvPr>
+            <p:ph sz="half" idx="1"/>
+          </p:nvPr>
+        </p:nvPicPr>
+        <p:blipFill>
+          <a:blip r:embed="rId2"/>
+          <a:stretch>
+            <a:fillRect/>
+          </a:stretch>
+        </p:blipFill>
+        <p:spPr>
+          <a:xfrm>
+            <a:off x="6544945" y="3810"/>
+            <a:ext cx="5647055" cy="6854190"/>
+          </a:xfrm>
+          <a:prstGeom prst="rect">
+            <a:avLst/>
+          </a:prstGeom>
+        </p:spPr>
+      </p:pic>
+      <p:pic>
+        <p:nvPicPr>
+          <p:cNvPr id="8" name="Picture 7"/>
+          <p:cNvPicPr>
+            <a:picLocks noChangeAspect="1"/>
+          </p:cNvPicPr>
+          <p:nvPr/>
+        </p:nvPicPr>
+        <p:blipFill>
+          <a:blip r:embed="rId3"/>
+          <a:stretch>
+            <a:fillRect/>
+          </a:stretch>
+        </p:blipFill>
+        <p:spPr>
+          <a:xfrm>
+            <a:off x="4440555" y="1947545"/>
+            <a:ext cx="1828800" cy="428625"/>
+          </a:xfrm>
+          <a:prstGeom prst="rect">
+            <a:avLst/>
+          </a:prstGeom>
+        </p:spPr>
+      </p:pic>
+      <p:cxnSp>
+        <p:nvCxnSpPr>
+          <p:cNvPr id="9" name="Straight Connector 8"/>
+          <p:cNvCxnSpPr/>
+          <p:nvPr/>
+        </p:nvCxnSpPr>
+        <p:spPr>
+          <a:xfrm>
+            <a:off x="10575925" y="6092190"/>
+            <a:ext cx="1494155" cy="0"/>
+          </a:xfrm>
+          <a:prstGeom prst="line">
+            <a:avLst/>
+          </a:prstGeom>
+        </p:spPr>
+        <p:style>
+          <a:lnRef idx="1">
+            <a:schemeClr val="accent1"/>
+          </a:lnRef>
+          <a:fillRef idx="0">
+            <a:schemeClr val="accent1"/>
+          </a:fillRef>
+          <a:effectRef idx="0">
+            <a:schemeClr val="accent1"/>
+          </a:effectRef>
+          <a:fontRef idx="minor">
+            <a:schemeClr val="tx1"/>
+          </a:fontRef>
+        </p:style>
+      </p:cxnSp>
+      <p:cxnSp>
+        <p:nvCxnSpPr>
+          <p:cNvPr id="10" name="Straight Connector 9"/>
+          <p:cNvCxnSpPr/>
+          <p:nvPr/>
+        </p:nvCxnSpPr>
+        <p:spPr>
+          <a:xfrm>
+            <a:off x="8300720" y="1737995"/>
+            <a:ext cx="1024890" cy="0"/>
+          </a:xfrm>
+          <a:prstGeom prst="line">
+            <a:avLst/>
+          </a:prstGeom>
+        </p:spPr>
+        <p:style>
+          <a:lnRef idx="1">
+            <a:schemeClr val="accent1"/>
+          </a:lnRef>
+          <a:fillRef idx="0">
+            <a:schemeClr val="accent1"/>
+          </a:fillRef>
+          <a:effectRef idx="0">
+            <a:schemeClr val="accent1"/>
+          </a:effectRef>
+          <a:fontRef idx="minor">
+            <a:schemeClr val="tx1"/>
+          </a:fontRef>
+        </p:style>
+      </p:cxnSp>
+      <p:cxnSp>
+        <p:nvCxnSpPr>
+          <p:cNvPr id="11" name="Straight Connector 10"/>
+          <p:cNvCxnSpPr/>
+          <p:nvPr/>
+        </p:nvCxnSpPr>
+        <p:spPr>
+          <a:xfrm>
+            <a:off x="8300720" y="1584325"/>
+            <a:ext cx="1129030" cy="0"/>
+          </a:xfrm>
+          <a:prstGeom prst="line">
+            <a:avLst/>
+          </a:prstGeom>
+        </p:spPr>
+        <p:style>
+          <a:lnRef idx="1">
+            <a:schemeClr val="accent1"/>
+          </a:lnRef>
+          <a:fillRef idx="0">
+            <a:schemeClr val="accent1"/>
+          </a:fillRef>
+          <a:effectRef idx="0">
+            <a:schemeClr val="accent1"/>
+          </a:effectRef>
+          <a:fontRef idx="minor">
+            <a:schemeClr val="tx1"/>
+          </a:fontRef>
+        </p:style>
+      </p:cxnSp>
     </p:spTree>
   </p:cSld>
   <p:clrMapOvr>

--- a/10/slides.pptx
+++ b/10/slides.pptx
@@ -5,10 +5,10 @@
     <p:sldMasterId id="2147483648" r:id="rId1"/>
   </p:sldMasterIdLst>
   <p:notesMasterIdLst>
-    <p:notesMasterId r:id="rId29"/>
+    <p:notesMasterId r:id="rId32"/>
   </p:notesMasterIdLst>
   <p:handoutMasterIdLst>
-    <p:handoutMasterId r:id="rId30"/>
+    <p:handoutMasterId r:id="rId33"/>
   </p:handoutMasterIdLst>
   <p:sldIdLst>
     <p:sldId id="256" r:id="rId3"/>
@@ -37,6 +37,9 @@
     <p:sldId id="296" r:id="rId26"/>
     <p:sldId id="297" r:id="rId27"/>
     <p:sldId id="298" r:id="rId28"/>
+    <p:sldId id="308" r:id="rId29"/>
+    <p:sldId id="307" r:id="rId30"/>
+    <p:sldId id="309" r:id="rId31"/>
   </p:sldIdLst>
   <p:sldSz cx="12192000" cy="6858000"/>
   <p:notesSz cx="7103745" cy="10234295"/>
@@ -6285,56 +6288,14 @@
         <p:nvPr/>
       </p:nvGrpSpPr>
       <p:grpSpPr/>
-      <p:sp>
-        <p:nvSpPr>
-          <p:cNvPr id="2" name="Title 1"/>
-          <p:cNvSpPr>
-            <a:spLocks noGrp="1"/>
-          </p:cNvSpPr>
-          <p:nvPr>
-            <p:ph type="title"/>
-          </p:nvPr>
-        </p:nvSpPr>
-        <p:spPr/>
-        <p:txBody>
-          <a:bodyPr/>
-          <a:p>
-            <a:r>
-              <a:rPr lang="zh-CN"/>
-              <a:t>自动推算</a:t>
-            </a:r>
-            <a:r>
-              <a:rPr lang="en-US" altLang="zh-CN"/>
-              <a:t> B </a:t>
-            </a:r>
-            <a:r>
-              <a:rPr lang="zh-CN" altLang="en-US"/>
-              <a:t>和</a:t>
-            </a:r>
-            <a:r>
-              <a:rPr lang="en-US" altLang="zh-CN"/>
-              <a:t> Bmask</a:t>
-            </a:r>
-            <a:r>
-              <a:rPr lang="zh-CN" altLang="en-US"/>
-              <a:t>，顺便扁平化</a:t>
-            </a:r>
-            <a:r>
-              <a:rPr lang="en-US" altLang="zh-CN"/>
-              <a:t> Block</a:t>
-            </a:r>
-            <a:endParaRPr lang="en-US" altLang="zh-CN"/>
-          </a:p>
-        </p:txBody>
-      </p:sp>
       <p:pic>
         <p:nvPicPr>
-          <p:cNvPr id="6" name="Content Placeholder 5"/>
+          <p:cNvPr id="5" name="Content Placeholder 4"/>
           <p:cNvPicPr>
             <a:picLocks noChangeAspect="1"/>
           </p:cNvPicPr>
           <p:nvPr>
-            <p:ph sz="half" idx="2"/>
+            <p:ph sz="half" idx="1"/>
           </p:nvPr>
         </p:nvPicPr>
         <p:blipFill>
@@ -6345,22 +6306,64 @@
         </p:blipFill>
         <p:spPr>
           <a:xfrm>
-            <a:off x="0" y="1534795"/>
-            <a:ext cx="4164965" cy="5323205"/>
+            <a:off x="6585585" y="-2540"/>
+            <a:ext cx="5606415" cy="6900545"/>
           </a:xfrm>
           <a:prstGeom prst="rect">
             <a:avLst/>
           </a:prstGeom>
         </p:spPr>
       </p:pic>
+      <p:sp>
+        <p:nvSpPr>
+          <p:cNvPr id="2" name="Title 1"/>
+          <p:cNvSpPr>
+            <a:spLocks noGrp="1"/>
+          </p:cNvSpPr>
+          <p:nvPr>
+            <p:ph type="title"/>
+          </p:nvPr>
+        </p:nvSpPr>
+        <p:spPr/>
+        <p:txBody>
+          <a:bodyPr/>
+          <a:p>
+            <a:r>
+              <a:rPr lang="zh-CN"/>
+              <a:t>自动推算</a:t>
+            </a:r>
+            <a:r>
+              <a:rPr lang="en-US" altLang="zh-CN"/>
+              <a:t> B </a:t>
+            </a:r>
+            <a:r>
+              <a:rPr lang="zh-CN" altLang="en-US"/>
+              <a:t>和</a:t>
+            </a:r>
+            <a:r>
+              <a:rPr lang="en-US" altLang="zh-CN"/>
+              <a:t> Bmask</a:t>
+            </a:r>
+            <a:r>
+              <a:rPr lang="zh-CN" altLang="en-US"/>
+              <a:t>，顺便扁平化</a:t>
+            </a:r>
+            <a:r>
+              <a:rPr lang="en-US" altLang="zh-CN"/>
+              <a:t> Block</a:t>
+            </a:r>
+            <a:endParaRPr lang="en-US" altLang="zh-CN"/>
+          </a:p>
+        </p:txBody>
+      </p:sp>
       <p:pic>
         <p:nvPicPr>
-          <p:cNvPr id="7" name="Content Placeholder 6"/>
+          <p:cNvPr id="6" name="Content Placeholder 5"/>
           <p:cNvPicPr>
             <a:picLocks noChangeAspect="1"/>
           </p:cNvPicPr>
           <p:nvPr>
-            <p:ph sz="half" idx="1"/>
+            <p:ph sz="half" idx="2"/>
           </p:nvPr>
         </p:nvPicPr>
         <p:blipFill>
@@ -6371,8 +6374,8 @@
         </p:blipFill>
         <p:spPr>
           <a:xfrm>
-            <a:off x="6544945" y="3810"/>
-            <a:ext cx="5647055" cy="6854190"/>
+            <a:off x="0" y="1534795"/>
+            <a:ext cx="4164965" cy="5323205"/>
           </a:xfrm>
           <a:prstGeom prst="rect">
             <a:avLst/>
@@ -6411,7 +6414,7 @@
         </p:nvCxnSpPr>
         <p:spPr>
           <a:xfrm>
-            <a:off x="10575925" y="6092190"/>
+            <a:off x="10575925" y="6063615"/>
             <a:ext cx="1494155" cy="0"/>
           </a:xfrm>
           <a:prstGeom prst="line">
@@ -6493,6 +6496,533 @@
           </a:fontRef>
         </p:style>
       </p:cxnSp>
+    </p:spTree>
+  </p:cSld>
+  <p:clrMapOvr>
+    <a:masterClrMapping/>
+  </p:clrMapOvr>
+</p:sld>
+</file>
+
+<file path=ppt/slides/slide27.xml><?xml version="1.0" encoding="utf-8"?>
+<p:sld xmlns:a="http://schemas.openxmlformats.org/drawingml/2006/main" xmlns:r="http://schemas.openxmlformats.org/officeDocument/2006/relationships" xmlns:p="http://schemas.openxmlformats.org/presentationml/2006/main">
+  <p:cSld>
+    <p:spTree>
+      <p:nvGrpSpPr>
+        <p:cNvPr id="1" name=""/>
+        <p:cNvGrpSpPr/>
+        <p:nvPr/>
+      </p:nvGrpSpPr>
+      <p:grpSpPr/>
+      <p:sp>
+        <p:nvSpPr>
+          <p:cNvPr id="4" name="Title 3"/>
+          <p:cNvSpPr>
+            <a:spLocks noGrp="1"/>
+          </p:cNvSpPr>
+          <p:nvPr>
+            <p:ph type="title"/>
+          </p:nvPr>
+        </p:nvSpPr>
+        <p:spPr/>
+        <p:txBody>
+          <a:bodyPr/>
+          <a:p>
+            <a:r>
+              <a:rPr lang="zh-CN" altLang="en-US"/>
+              <a:t>第</a:t>
+            </a:r>
+            <a:r>
+              <a:rPr lang="en-US" altLang="zh-CN"/>
+              <a:t>4</a:t>
+            </a:r>
+            <a:r>
+              <a:rPr lang="zh-CN" altLang="en-US"/>
+              <a:t>章：指针网格</a:t>
+            </a:r>
+            <a:endParaRPr lang="en-US" altLang="zh-CN"/>
+          </a:p>
+        </p:txBody>
+      </p:sp>
+    </p:spTree>
+  </p:cSld>
+  <p:clrMapOvr>
+    <a:masterClrMapping/>
+  </p:clrMapOvr>
+</p:sld>
+</file>
+
+<file path=ppt/slides/slide28.xml><?xml version="1.0" encoding="utf-8"?>
+<p:sld xmlns:a="http://schemas.openxmlformats.org/drawingml/2006/main" xmlns:r="http://schemas.openxmlformats.org/officeDocument/2006/relationships" xmlns:p="http://schemas.openxmlformats.org/presentationml/2006/main">
+  <p:cSld>
+    <p:spTree>
+      <p:nvGrpSpPr>
+        <p:cNvPr id="1" name=""/>
+        <p:cNvGrpSpPr/>
+        <p:nvPr/>
+      </p:nvGrpSpPr>
+      <p:grpSpPr/>
+      <p:sp>
+        <p:nvSpPr>
+          <p:cNvPr id="3" name="Title 2"/>
+          <p:cNvSpPr>
+            <a:spLocks noGrp="1"/>
+          </p:cNvSpPr>
+          <p:nvPr>
+            <p:ph type="title"/>
+          </p:nvPr>
+        </p:nvSpPr>
+        <p:spPr/>
+        <p:txBody>
+          <a:bodyPr/>
+          <a:p>
+            <a:r>
+              <a:rPr lang="zh-CN" altLang="en-US"/>
+              <a:t>用一个指针的数组来表示</a:t>
+            </a:r>
+            <a:endParaRPr lang="zh-CN" altLang="en-US"/>
+          </a:p>
+        </p:txBody>
+      </p:sp>
+      <p:pic>
+        <p:nvPicPr>
+          <p:cNvPr id="7" name="Content Placeholder 6"/>
+          <p:cNvPicPr>
+            <a:picLocks noChangeAspect="1"/>
+          </p:cNvPicPr>
+          <p:nvPr>
+            <p:ph sz="half" idx="2"/>
+          </p:nvPr>
+        </p:nvPicPr>
+        <p:blipFill>
+          <a:blip r:embed="rId1"/>
+          <a:stretch>
+            <a:fillRect/>
+          </a:stretch>
+        </p:blipFill>
+        <p:spPr>
+          <a:xfrm>
+            <a:off x="7256780" y="7620"/>
+            <a:ext cx="4935220" cy="6850380"/>
+          </a:xfrm>
+          <a:prstGeom prst="rect">
+            <a:avLst/>
+          </a:prstGeom>
+        </p:spPr>
+      </p:pic>
+      <p:pic>
+        <p:nvPicPr>
+          <p:cNvPr id="8" name="Picture 7"/>
+          <p:cNvPicPr>
+            <a:picLocks noChangeAspect="1"/>
+          </p:cNvPicPr>
+          <p:nvPr/>
+        </p:nvPicPr>
+        <p:blipFill>
+          <a:blip r:embed="rId2"/>
+          <a:stretch>
+            <a:fillRect/>
+          </a:stretch>
+        </p:blipFill>
+        <p:spPr>
+          <a:xfrm>
+            <a:off x="5123180" y="1845945"/>
+            <a:ext cx="1704975" cy="438150"/>
+          </a:xfrm>
+          <a:prstGeom prst="rect">
+            <a:avLst/>
+          </a:prstGeom>
+        </p:spPr>
+      </p:pic>
+      <p:pic>
+        <p:nvPicPr>
+          <p:cNvPr id="9" name="Content Placeholder 8"/>
+          <p:cNvPicPr>
+            <a:picLocks noChangeAspect="1"/>
+          </p:cNvPicPr>
+          <p:nvPr>
+            <p:ph sz="half" idx="1"/>
+          </p:nvPr>
+        </p:nvPicPr>
+        <p:blipFill>
+          <a:blip r:embed="rId3"/>
+          <a:stretch>
+            <a:fillRect/>
+          </a:stretch>
+        </p:blipFill>
+        <p:spPr>
+          <a:xfrm>
+            <a:off x="0" y="1328420"/>
+            <a:ext cx="4415155" cy="5529580"/>
+          </a:xfrm>
+          <a:prstGeom prst="rect">
+            <a:avLst/>
+          </a:prstGeom>
+        </p:spPr>
+      </p:pic>
+      <p:cxnSp>
+        <p:nvCxnSpPr>
+          <p:cNvPr id="10" name="Straight Connector 9"/>
+          <p:cNvCxnSpPr/>
+          <p:nvPr/>
+        </p:nvCxnSpPr>
+        <p:spPr>
+          <a:xfrm>
+            <a:off x="7529830" y="2026920"/>
+            <a:ext cx="2391410" cy="0"/>
+          </a:xfrm>
+          <a:prstGeom prst="line">
+            <a:avLst/>
+          </a:prstGeom>
+        </p:spPr>
+        <p:style>
+          <a:lnRef idx="1">
+            <a:schemeClr val="accent1"/>
+          </a:lnRef>
+          <a:fillRef idx="0">
+            <a:schemeClr val="accent1"/>
+          </a:fillRef>
+          <a:effectRef idx="0">
+            <a:schemeClr val="accent1"/>
+          </a:effectRef>
+          <a:fontRef idx="minor">
+            <a:schemeClr val="tx1"/>
+          </a:fontRef>
+        </p:style>
+      </p:cxnSp>
+      <p:cxnSp>
+        <p:nvCxnSpPr>
+          <p:cNvPr id="11" name="Straight Connector 10"/>
+          <p:cNvCxnSpPr/>
+          <p:nvPr/>
+        </p:nvCxnSpPr>
+        <p:spPr>
+          <a:xfrm>
+            <a:off x="8890635" y="833755"/>
+            <a:ext cx="840105" cy="0"/>
+          </a:xfrm>
+          <a:prstGeom prst="line">
+            <a:avLst/>
+          </a:prstGeom>
+        </p:spPr>
+        <p:style>
+          <a:lnRef idx="1">
+            <a:schemeClr val="accent1"/>
+          </a:lnRef>
+          <a:fillRef idx="0">
+            <a:schemeClr val="accent1"/>
+          </a:fillRef>
+          <a:effectRef idx="0">
+            <a:schemeClr val="accent1"/>
+          </a:effectRef>
+          <a:fontRef idx="minor">
+            <a:schemeClr val="tx1"/>
+          </a:fontRef>
+        </p:style>
+      </p:cxnSp>
+      <p:cxnSp>
+        <p:nvCxnSpPr>
+          <p:cNvPr id="12" name="Straight Connector 11"/>
+          <p:cNvCxnSpPr/>
+          <p:nvPr/>
+        </p:nvCxnSpPr>
+        <p:spPr>
+          <a:xfrm>
+            <a:off x="8890635" y="258445"/>
+            <a:ext cx="750570" cy="0"/>
+          </a:xfrm>
+          <a:prstGeom prst="line">
+            <a:avLst/>
+          </a:prstGeom>
+        </p:spPr>
+        <p:style>
+          <a:lnRef idx="1">
+            <a:schemeClr val="accent1"/>
+          </a:lnRef>
+          <a:fillRef idx="0">
+            <a:schemeClr val="accent1"/>
+          </a:fillRef>
+          <a:effectRef idx="0">
+            <a:schemeClr val="accent1"/>
+          </a:effectRef>
+          <a:fontRef idx="minor">
+            <a:schemeClr val="tx1"/>
+          </a:fontRef>
+        </p:style>
+      </p:cxnSp>
+      <p:cxnSp>
+        <p:nvCxnSpPr>
+          <p:cNvPr id="13" name="Straight Connector 12"/>
+          <p:cNvCxnSpPr/>
+          <p:nvPr/>
+        </p:nvCxnSpPr>
+        <p:spPr>
+          <a:xfrm>
+            <a:off x="8676640" y="2464435"/>
+            <a:ext cx="3444875" cy="0"/>
+          </a:xfrm>
+          <a:prstGeom prst="line">
+            <a:avLst/>
+          </a:prstGeom>
+        </p:spPr>
+        <p:style>
+          <a:lnRef idx="1">
+            <a:schemeClr val="accent1"/>
+          </a:lnRef>
+          <a:fillRef idx="0">
+            <a:schemeClr val="accent1"/>
+          </a:fillRef>
+          <a:effectRef idx="0">
+            <a:schemeClr val="accent1"/>
+          </a:effectRef>
+          <a:fontRef idx="minor">
+            <a:schemeClr val="tx1"/>
+          </a:fontRef>
+        </p:style>
+      </p:cxnSp>
+      <p:cxnSp>
+        <p:nvCxnSpPr>
+          <p:cNvPr id="14" name="Straight Connector 13"/>
+          <p:cNvCxnSpPr/>
+          <p:nvPr/>
+        </p:nvCxnSpPr>
+        <p:spPr>
+          <a:xfrm>
+            <a:off x="8233410" y="2901950"/>
+            <a:ext cx="2377440" cy="0"/>
+          </a:xfrm>
+          <a:prstGeom prst="line">
+            <a:avLst/>
+          </a:prstGeom>
+        </p:spPr>
+        <p:style>
+          <a:lnRef idx="1">
+            <a:schemeClr val="accent1"/>
+          </a:lnRef>
+          <a:fillRef idx="0">
+            <a:schemeClr val="accent1"/>
+          </a:fillRef>
+          <a:effectRef idx="0">
+            <a:schemeClr val="accent1"/>
+          </a:effectRef>
+          <a:fontRef idx="minor">
+            <a:schemeClr val="tx1"/>
+          </a:fontRef>
+        </p:style>
+      </p:cxnSp>
+      <p:cxnSp>
+        <p:nvCxnSpPr>
+          <p:cNvPr id="15" name="Straight Connector 14"/>
+          <p:cNvCxnSpPr/>
+          <p:nvPr/>
+        </p:nvCxnSpPr>
+        <p:spPr>
+          <a:xfrm>
+            <a:off x="8676640" y="3463925"/>
+            <a:ext cx="3444875" cy="0"/>
+          </a:xfrm>
+          <a:prstGeom prst="line">
+            <a:avLst/>
+          </a:prstGeom>
+        </p:spPr>
+        <p:style>
+          <a:lnRef idx="1">
+            <a:schemeClr val="accent1"/>
+          </a:lnRef>
+          <a:fillRef idx="0">
+            <a:schemeClr val="accent1"/>
+          </a:fillRef>
+          <a:effectRef idx="0">
+            <a:schemeClr val="accent1"/>
+          </a:effectRef>
+          <a:fontRef idx="minor">
+            <a:schemeClr val="tx1"/>
+          </a:fontRef>
+        </p:style>
+      </p:cxnSp>
+      <p:cxnSp>
+        <p:nvCxnSpPr>
+          <p:cNvPr id="16" name="Straight Connector 15"/>
+          <p:cNvCxnSpPr/>
+          <p:nvPr/>
+        </p:nvCxnSpPr>
+        <p:spPr>
+          <a:xfrm>
+            <a:off x="7760335" y="3919220"/>
+            <a:ext cx="2377440" cy="0"/>
+          </a:xfrm>
+          <a:prstGeom prst="line">
+            <a:avLst/>
+          </a:prstGeom>
+        </p:spPr>
+        <p:style>
+          <a:lnRef idx="1">
+            <a:schemeClr val="accent1"/>
+          </a:lnRef>
+          <a:fillRef idx="0">
+            <a:schemeClr val="accent1"/>
+          </a:fillRef>
+          <a:effectRef idx="0">
+            <a:schemeClr val="accent1"/>
+          </a:effectRef>
+          <a:fontRef idx="minor">
+            <a:schemeClr val="tx1"/>
+          </a:fontRef>
+        </p:style>
+      </p:cxnSp>
+      <p:cxnSp>
+        <p:nvCxnSpPr>
+          <p:cNvPr id="17" name="Straight Connector 16"/>
+          <p:cNvCxnSpPr/>
+          <p:nvPr/>
+        </p:nvCxnSpPr>
+        <p:spPr>
+          <a:xfrm>
+            <a:off x="8327390" y="5206365"/>
+            <a:ext cx="863600" cy="0"/>
+          </a:xfrm>
+          <a:prstGeom prst="line">
+            <a:avLst/>
+          </a:prstGeom>
+        </p:spPr>
+        <p:style>
+          <a:lnRef idx="1">
+            <a:schemeClr val="accent1"/>
+          </a:lnRef>
+          <a:fillRef idx="0">
+            <a:schemeClr val="accent1"/>
+          </a:fillRef>
+          <a:effectRef idx="0">
+            <a:schemeClr val="accent1"/>
+          </a:effectRef>
+          <a:fontRef idx="minor">
+            <a:schemeClr val="tx1"/>
+          </a:fontRef>
+        </p:style>
+      </p:cxnSp>
+      <p:cxnSp>
+        <p:nvCxnSpPr>
+          <p:cNvPr id="18" name="Straight Connector 17"/>
+          <p:cNvCxnSpPr/>
+          <p:nvPr/>
+        </p:nvCxnSpPr>
+        <p:spPr>
+          <a:xfrm>
+            <a:off x="9564370" y="4942840"/>
+            <a:ext cx="2096770" cy="0"/>
+          </a:xfrm>
+          <a:prstGeom prst="line">
+            <a:avLst/>
+          </a:prstGeom>
+        </p:spPr>
+        <p:style>
+          <a:lnRef idx="1">
+            <a:schemeClr val="accent1"/>
+          </a:lnRef>
+          <a:fillRef idx="0">
+            <a:schemeClr val="accent1"/>
+          </a:fillRef>
+          <a:effectRef idx="0">
+            <a:schemeClr val="accent1"/>
+          </a:effectRef>
+          <a:fontRef idx="minor">
+            <a:schemeClr val="tx1"/>
+          </a:fontRef>
+        </p:style>
+      </p:cxnSp>
+    </p:spTree>
+  </p:cSld>
+  <p:clrMapOvr>
+    <a:masterClrMapping/>
+  </p:clrMapOvr>
+</p:sld>
+</file>
+
+<file path=ppt/slides/slide29.xml><?xml version="1.0" encoding="utf-8"?>
+<p:sld xmlns:a="http://schemas.openxmlformats.org/drawingml/2006/main" xmlns:r="http://schemas.openxmlformats.org/officeDocument/2006/relationships" xmlns:p="http://schemas.openxmlformats.org/presentationml/2006/main">
+  <p:cSld>
+    <p:spTree>
+      <p:nvGrpSpPr>
+        <p:cNvPr id="1" name=""/>
+        <p:cNvGrpSpPr/>
+        <p:nvPr/>
+      </p:nvGrpSpPr>
+      <p:grpSpPr/>
+      <p:sp>
+        <p:nvSpPr>
+          <p:cNvPr id="2" name="Title 1"/>
+          <p:cNvSpPr>
+            <a:spLocks noGrp="1"/>
+          </p:cNvSpPr>
+          <p:nvPr>
+            <p:ph type="title"/>
+          </p:nvPr>
+        </p:nvSpPr>
+        <p:spPr/>
+        <p:txBody>
+          <a:bodyPr/>
+          <a:p>
+            <a:r>
+              <a:rPr lang="en-US" altLang="zh-CN"/>
+              <a:t>unordered_map </a:t>
+            </a:r>
+            <a:r>
+              <a:rPr lang="zh-CN" altLang="en-US"/>
+              <a:t>作为顶层，指针作为中层，稠密数组作为底层</a:t>
+            </a:r>
+            <a:endParaRPr lang="zh-CN" altLang="en-US"/>
+          </a:p>
+        </p:txBody>
+      </p:sp>
+      <p:sp>
+        <p:nvSpPr>
+          <p:cNvPr id="3" name="Content Placeholder 2"/>
+          <p:cNvSpPr>
+            <a:spLocks noGrp="1"/>
+          </p:cNvSpPr>
+          <p:nvPr>
+            <p:ph sz="half" idx="1"/>
+          </p:nvPr>
+        </p:nvSpPr>
+        <p:spPr>
+          <a:xfrm>
+            <a:off x="647700" y="1825625"/>
+            <a:ext cx="10865485" cy="4351655"/>
+          </a:xfrm>
+        </p:spPr>
+        <p:txBody>
+          <a:bodyPr/>
+          <a:p>
+            <a:endParaRPr lang="en-US"/>
+          </a:p>
+        </p:txBody>
+      </p:sp>
+      <p:pic>
+        <p:nvPicPr>
+          <p:cNvPr id="5" name="Content Placeholder 4"/>
+          <p:cNvPicPr>
+            <a:picLocks noChangeAspect="1"/>
+          </p:cNvPicPr>
+          <p:nvPr>
+            <p:ph sz="half" idx="2"/>
+          </p:nvPr>
+        </p:nvPicPr>
+        <p:blipFill>
+          <a:blip r:embed="rId1"/>
+          <a:stretch>
+            <a:fillRect/>
+          </a:stretch>
+        </p:blipFill>
+        <p:spPr>
+          <a:xfrm>
+            <a:off x="3558540" y="4944745"/>
+            <a:ext cx="5181600" cy="1678305"/>
+          </a:xfrm>
+          <a:prstGeom prst="rect">
+            <a:avLst/>
+          </a:prstGeom>
+        </p:spPr>
+      </p:pic>
     </p:spTree>
   </p:cSld>
   <p:clrMapOvr>
